--- a/1821086_matsuo_sotsuken_0616.pptx
+++ b/1821086_matsuo_sotsuken_0616.pptx
@@ -5,22 +5,24 @@
     <p:sldMasterId id="2147483660" r:id="rId1"/>
   </p:sldMasterIdLst>
   <p:notesMasterIdLst>
-    <p:notesMasterId r:id="rId15"/>
+    <p:notesMasterId r:id="rId17"/>
   </p:notesMasterIdLst>
   <p:sldIdLst>
     <p:sldId id="257" r:id="rId2"/>
     <p:sldId id="271" r:id="rId3"/>
-    <p:sldId id="273" r:id="rId4"/>
-    <p:sldId id="274" r:id="rId5"/>
-    <p:sldId id="265" r:id="rId6"/>
-    <p:sldId id="268" r:id="rId7"/>
-    <p:sldId id="269" r:id="rId8"/>
-    <p:sldId id="267" r:id="rId9"/>
-    <p:sldId id="270" r:id="rId10"/>
-    <p:sldId id="266" r:id="rId11"/>
-    <p:sldId id="259" r:id="rId12"/>
-    <p:sldId id="260" r:id="rId13"/>
-    <p:sldId id="264" r:id="rId14"/>
+    <p:sldId id="275" r:id="rId4"/>
+    <p:sldId id="276" r:id="rId5"/>
+    <p:sldId id="274" r:id="rId6"/>
+    <p:sldId id="265" r:id="rId7"/>
+    <p:sldId id="268" r:id="rId8"/>
+    <p:sldId id="269" r:id="rId9"/>
+    <p:sldId id="267" r:id="rId10"/>
+    <p:sldId id="270" r:id="rId11"/>
+    <p:sldId id="266" r:id="rId12"/>
+    <p:sldId id="259" r:id="rId13"/>
+    <p:sldId id="260" r:id="rId14"/>
+    <p:sldId id="264" r:id="rId15"/>
+    <p:sldId id="273" r:id="rId16"/>
   </p:sldIdLst>
   <p:sldSz cx="9144000" cy="6858000" type="screen4x3"/>
   <p:notesSz cx="6858000" cy="9144000"/>
@@ -209,7 +211,7 @@
           <a:p>
             <a:fld id="{FE6A3D4C-FB20-486F-A33D-02A27AB85120}" type="datetimeFigureOut">
               <a:rPr kumimoji="1" lang="ja-JP" altLang="en-US" smtClean="0"/>
-              <a:t>2021/6/10</a:t>
+              <a:t>2021/6/16</a:t>
             </a:fld>
             <a:endParaRPr kumimoji="1" lang="ja-JP" altLang="en-US"/>
           </a:p>
@@ -640,7 +642,7 @@
           <a:p>
             <a:fld id="{8E4A1F93-69A3-471B-8D05-15324430A4DD}" type="datetime1">
               <a:rPr kumimoji="1" lang="ja-JP" altLang="en-US" smtClean="0"/>
-              <a:t>2021/6/10</a:t>
+              <a:t>2021/6/16</a:t>
             </a:fld>
             <a:endParaRPr kumimoji="1" lang="ja-JP" altLang="en-US"/>
           </a:p>
@@ -842,7 +844,7 @@
           <a:p>
             <a:fld id="{47EC324E-2B01-4D23-82E0-3EC1C190E400}" type="datetime1">
               <a:rPr kumimoji="1" lang="ja-JP" altLang="en-US" smtClean="0"/>
-              <a:t>2021/6/10</a:t>
+              <a:t>2021/6/16</a:t>
             </a:fld>
             <a:endParaRPr kumimoji="1" lang="ja-JP" altLang="en-US"/>
           </a:p>
@@ -1054,7 +1056,7 @@
           <a:p>
             <a:fld id="{B09C661C-5EE3-4B7B-8947-29C898E7C4AC}" type="datetime1">
               <a:rPr kumimoji="1" lang="ja-JP" altLang="en-US" smtClean="0"/>
-              <a:t>2021/6/10</a:t>
+              <a:t>2021/6/16</a:t>
             </a:fld>
             <a:endParaRPr kumimoji="1" lang="ja-JP" altLang="en-US"/>
           </a:p>
@@ -1256,7 +1258,7 @@
           <a:p>
             <a:fld id="{28E8E33C-4CBF-4258-9CD2-709B71F25A1F}" type="datetime1">
               <a:rPr kumimoji="1" lang="ja-JP" altLang="en-US" smtClean="0"/>
-              <a:t>2021/6/10</a:t>
+              <a:t>2021/6/16</a:t>
             </a:fld>
             <a:endParaRPr kumimoji="1" lang="ja-JP" altLang="en-US"/>
           </a:p>
@@ -1500,7 +1502,7 @@
           <a:p>
             <a:fld id="{A01E1143-36BB-4F4B-A4A4-99763A2BE9AA}" type="datetime1">
               <a:rPr kumimoji="1" lang="ja-JP" altLang="en-US" smtClean="0"/>
-              <a:t>2021/6/10</a:t>
+              <a:t>2021/6/16</a:t>
             </a:fld>
             <a:endParaRPr kumimoji="1" lang="ja-JP" altLang="en-US"/>
           </a:p>
@@ -1796,7 +1798,7 @@
           <a:p>
             <a:fld id="{4A6F5D2E-09FC-4A35-B791-2DDB0EF42AB8}" type="datetime1">
               <a:rPr kumimoji="1" lang="ja-JP" altLang="en-US" smtClean="0"/>
-              <a:t>2021/6/10</a:t>
+              <a:t>2021/6/16</a:t>
             </a:fld>
             <a:endParaRPr kumimoji="1" lang="ja-JP" altLang="en-US"/>
           </a:p>
@@ -2227,7 +2229,7 @@
           <a:p>
             <a:fld id="{C8DEB04E-9403-42AC-BAE7-0FE028A58EA7}" type="datetime1">
               <a:rPr kumimoji="1" lang="ja-JP" altLang="en-US" smtClean="0"/>
-              <a:t>2021/6/10</a:t>
+              <a:t>2021/6/16</a:t>
             </a:fld>
             <a:endParaRPr kumimoji="1" lang="ja-JP" altLang="en-US"/>
           </a:p>
@@ -2345,7 +2347,7 @@
           <a:p>
             <a:fld id="{D9BEF992-FDCA-41F9-A6CD-E3A221CFA6CA}" type="datetime1">
               <a:rPr kumimoji="1" lang="ja-JP" altLang="en-US" smtClean="0"/>
-              <a:t>2021/6/10</a:t>
+              <a:t>2021/6/16</a:t>
             </a:fld>
             <a:endParaRPr kumimoji="1" lang="ja-JP" altLang="en-US"/>
           </a:p>
@@ -2440,7 +2442,7 @@
           <a:p>
             <a:fld id="{DFB6F5E9-02FB-4211-A4CE-A63C270DB93E}" type="datetime1">
               <a:rPr kumimoji="1" lang="ja-JP" altLang="en-US" smtClean="0"/>
-              <a:t>2021/6/10</a:t>
+              <a:t>2021/6/16</a:t>
             </a:fld>
             <a:endParaRPr kumimoji="1" lang="ja-JP" altLang="en-US"/>
           </a:p>
@@ -2749,7 +2751,7 @@
           <a:p>
             <a:fld id="{15FF5806-10DC-4FFB-B0D3-2B2071E606F8}" type="datetime1">
               <a:rPr kumimoji="1" lang="ja-JP" altLang="en-US" smtClean="0"/>
-              <a:t>2021/6/10</a:t>
+              <a:t>2021/6/16</a:t>
             </a:fld>
             <a:endParaRPr kumimoji="1" lang="ja-JP" altLang="en-US"/>
           </a:p>
@@ -3006,7 +3008,7 @@
           <a:p>
             <a:fld id="{221CC2B4-5F3D-48EB-A6D8-A1DAE6659061}" type="datetime1">
               <a:rPr kumimoji="1" lang="ja-JP" altLang="en-US" smtClean="0"/>
-              <a:t>2021/6/10</a:t>
+              <a:t>2021/6/16</a:t>
             </a:fld>
             <a:endParaRPr kumimoji="1" lang="ja-JP" altLang="en-US"/>
           </a:p>
@@ -3251,7 +3253,7 @@
           <a:p>
             <a:fld id="{3B3589A1-A792-4BF6-B490-E826193AAA7C}" type="datetime1">
               <a:rPr kumimoji="1" lang="ja-JP" altLang="en-US" smtClean="0"/>
-              <a:t>2021/6/10</a:t>
+              <a:t>2021/6/16</a:t>
             </a:fld>
             <a:endParaRPr kumimoji="1" lang="ja-JP" altLang="en-US"/>
           </a:p>
@@ -3844,6 +3846,137 @@
           <a:p>
             <a:r>
               <a:rPr kumimoji="1" lang="ja-JP" altLang="en-US" dirty="0" smtClean="0"/>
+              <a:t>研究課題</a:t>
+            </a:r>
+            <a:endParaRPr kumimoji="1" lang="ja-JP" altLang="en-US" dirty="0"/>
+          </a:p>
+        </p:txBody>
+      </p:sp>
+      <p:sp>
+        <p:nvSpPr>
+          <p:cNvPr id="3" name="コンテンツ プレースホルダー 2"/>
+          <p:cNvSpPr>
+            <a:spLocks noGrp="1"/>
+          </p:cNvSpPr>
+          <p:nvPr>
+            <p:ph idx="1"/>
+          </p:nvPr>
+        </p:nvSpPr>
+        <p:spPr>
+          <a:xfrm>
+            <a:off x="628650" y="1595494"/>
+            <a:ext cx="7886700" cy="4760857"/>
+          </a:xfrm>
+        </p:spPr>
+        <p:txBody>
+          <a:bodyPr>
+            <a:normAutofit/>
+          </a:bodyPr>
+          <a:lstStyle/>
+          <a:p>
+            <a:pPr>
+              <a:lnSpc>
+                <a:spcPct val="120000"/>
+              </a:lnSpc>
+            </a:pPr>
+            <a:r>
+              <a:rPr lang="ja-JP" altLang="en-US" dirty="0" smtClean="0"/>
+              <a:t>結果的にロードバランスしてもＷＥＢページの表示は早くならないことが懸念される。</a:t>
+            </a:r>
+            <a:endParaRPr lang="en-US" altLang="ja-JP" dirty="0" smtClean="0"/>
+          </a:p>
+          <a:p>
+            <a:pPr>
+              <a:lnSpc>
+                <a:spcPct val="120000"/>
+              </a:lnSpc>
+            </a:pPr>
+            <a:r>
+              <a:rPr lang="ja-JP" altLang="en-US" dirty="0" smtClean="0"/>
+              <a:t>ベースは</a:t>
+            </a:r>
+            <a:r>
+              <a:rPr lang="ja-JP" altLang="en-US" dirty="0"/>
+              <a:t>現在のコネクション数が最も小さいサーバに</a:t>
+            </a:r>
+            <a:r>
+              <a:rPr lang="ja-JP" altLang="en-US" dirty="0" smtClean="0"/>
+              <a:t>転送するリーストコネクション。補助的にネットワーク速度を計測し自動で割り振るシステムができればより良いＬＢができるのではないかと考えた。</a:t>
+            </a:r>
+            <a:endParaRPr lang="en-US" altLang="ja-JP" dirty="0"/>
+          </a:p>
+        </p:txBody>
+      </p:sp>
+      <p:sp>
+        <p:nvSpPr>
+          <p:cNvPr id="4" name="スライド番号プレースホルダー 3"/>
+          <p:cNvSpPr>
+            <a:spLocks noGrp="1"/>
+          </p:cNvSpPr>
+          <p:nvPr>
+            <p:ph type="sldNum" sz="quarter" idx="12"/>
+          </p:nvPr>
+        </p:nvSpPr>
+        <p:spPr/>
+        <p:txBody>
+          <a:bodyPr/>
+          <a:lstStyle/>
+          <a:p>
+            <a:fld id="{4A32CB03-0843-4AF8-BFB2-C9917854BC7E}" type="slidenum">
+              <a:rPr kumimoji="1" lang="ja-JP" altLang="en-US" smtClean="0"/>
+              <a:t>10</a:t>
+            </a:fld>
+            <a:endParaRPr kumimoji="1" lang="ja-JP" altLang="en-US"/>
+          </a:p>
+        </p:txBody>
+      </p:sp>
+    </p:spTree>
+    <p:extLst>
+      <p:ext uri="{BB962C8B-B14F-4D97-AF65-F5344CB8AC3E}">
+        <p14:creationId xmlns:p14="http://schemas.microsoft.com/office/powerpoint/2010/main" val="512261577"/>
+      </p:ext>
+    </p:extLst>
+  </p:cSld>
+  <p:clrMapOvr>
+    <a:masterClrMapping/>
+  </p:clrMapOvr>
+</p:sld>
+</file>
+
+<file path=ppt/slides/slide11.xml><?xml version="1.0" encoding="utf-8"?>
+<p:sld xmlns:a="http://schemas.openxmlformats.org/drawingml/2006/main" xmlns:r="http://schemas.openxmlformats.org/officeDocument/2006/relationships" xmlns:p="http://schemas.openxmlformats.org/presentationml/2006/main">
+  <p:cSld>
+    <p:spTree>
+      <p:nvGrpSpPr>
+        <p:cNvPr id="1" name=""/>
+        <p:cNvGrpSpPr/>
+        <p:nvPr/>
+      </p:nvGrpSpPr>
+      <p:grpSpPr>
+        <a:xfrm>
+          <a:off x="0" y="0"/>
+          <a:ext cx="0" cy="0"/>
+          <a:chOff x="0" y="0"/>
+          <a:chExt cx="0" cy="0"/>
+        </a:xfrm>
+      </p:grpSpPr>
+      <p:sp>
+        <p:nvSpPr>
+          <p:cNvPr id="2" name="タイトル 1"/>
+          <p:cNvSpPr>
+            <a:spLocks noGrp="1"/>
+          </p:cNvSpPr>
+          <p:nvPr>
+            <p:ph type="title"/>
+          </p:nvPr>
+        </p:nvSpPr>
+        <p:spPr/>
+        <p:txBody>
+          <a:bodyPr/>
+          <a:lstStyle/>
+          <a:p>
+            <a:r>
+              <a:rPr kumimoji="1" lang="ja-JP" altLang="en-US" dirty="0" smtClean="0"/>
               <a:t>提案システム</a:t>
             </a:r>
             <a:endParaRPr kumimoji="1" lang="ja-JP" altLang="en-US" dirty="0"/>
@@ -3901,7 +4034,7 @@
           <a:p>
             <a:fld id="{4A32CB03-0843-4AF8-BFB2-C9917854BC7E}" type="slidenum">
               <a:rPr kumimoji="1" lang="ja-JP" altLang="en-US" smtClean="0"/>
-              <a:t>10</a:t>
+              <a:t>11</a:t>
             </a:fld>
             <a:endParaRPr kumimoji="1" lang="ja-JP" altLang="en-US"/>
           </a:p>
@@ -4904,7 +5037,7 @@
 </p:sld>
 </file>
 
-<file path=ppt/slides/slide11.xml><?xml version="1.0" encoding="utf-8"?>
+<file path=ppt/slides/slide12.xml><?xml version="1.0" encoding="utf-8"?>
 <p:sld xmlns:a="http://schemas.openxmlformats.org/drawingml/2006/main" xmlns:r="http://schemas.openxmlformats.org/officeDocument/2006/relationships" xmlns:p="http://schemas.openxmlformats.org/presentationml/2006/main">
   <p:cSld>
     <p:spTree>
@@ -4965,7 +5098,7 @@
           <a:p>
             <a:fld id="{010A43D1-8C5F-4BB5-96AD-6A66B588192F}" type="slidenum">
               <a:rPr kumimoji="1" lang="ja-JP" altLang="en-US" smtClean="0"/>
-              <a:t>11</a:t>
+              <a:t>12</a:t>
             </a:fld>
             <a:endParaRPr kumimoji="1" lang="ja-JP" altLang="en-US"/>
           </a:p>
@@ -5119,7 +5252,7 @@
 </p:sld>
 </file>
 
-<file path=ppt/slides/slide12.xml><?xml version="1.0" encoding="utf-8"?>
+<file path=ppt/slides/slide13.xml><?xml version="1.0" encoding="utf-8"?>
 <p:sld xmlns:a="http://schemas.openxmlformats.org/drawingml/2006/main" xmlns:r="http://schemas.openxmlformats.org/officeDocument/2006/relationships" xmlns:p="http://schemas.openxmlformats.org/presentationml/2006/main">
   <p:cSld>
     <p:spTree>
@@ -5183,7 +5316,7 @@
           <a:p>
             <a:fld id="{010A43D1-8C5F-4BB5-96AD-6A66B588192F}" type="slidenum">
               <a:rPr kumimoji="1" lang="ja-JP" altLang="en-US" smtClean="0"/>
-              <a:t>12</a:t>
+              <a:t>13</a:t>
             </a:fld>
             <a:endParaRPr kumimoji="1" lang="ja-JP" altLang="en-US" dirty="0"/>
           </a:p>
@@ -5424,7 +5557,7 @@
 </p:sld>
 </file>
 
-<file path=ppt/slides/slide13.xml><?xml version="1.0" encoding="utf-8"?>
+<file path=ppt/slides/slide14.xml><?xml version="1.0" encoding="utf-8"?>
 <p:sld xmlns:a="http://schemas.openxmlformats.org/drawingml/2006/main" xmlns:r="http://schemas.openxmlformats.org/officeDocument/2006/relationships" xmlns:p="http://schemas.openxmlformats.org/presentationml/2006/main">
   <p:cSld>
     <p:spTree>
@@ -5521,7 +5654,7 @@
           <a:p>
             <a:fld id="{010A43D1-8C5F-4BB5-96AD-6A66B588192F}" type="slidenum">
               <a:rPr kumimoji="1" lang="ja-JP" altLang="en-US" smtClean="0"/>
-              <a:t>13</a:t>
+              <a:t>14</a:t>
             </a:fld>
             <a:endParaRPr kumimoji="1" lang="ja-JP" altLang="en-US"/>
           </a:p>
@@ -5779,7 +5912,7 @@
 </p:sld>
 </file>
 
-<file path=ppt/slides/slide2.xml><?xml version="1.0" encoding="utf-8"?>
+<file path=ppt/slides/slide15.xml><?xml version="1.0" encoding="utf-8"?>
 <p:sld xmlns:a="http://schemas.openxmlformats.org/drawingml/2006/main" xmlns:r="http://schemas.openxmlformats.org/officeDocument/2006/relationships" xmlns:p="http://schemas.openxmlformats.org/presentationml/2006/main">
   <p:cSld>
     <p:spTree>
@@ -5808,384 +5941,6 @@
         </p:nvSpPr>
         <p:spPr>
           <a:xfrm>
-            <a:off x="283221" y="1690689"/>
-            <a:ext cx="8771766" cy="2776115"/>
-          </a:xfrm>
-        </p:spPr>
-        <p:txBody>
-          <a:bodyPr>
-            <a:normAutofit/>
-          </a:bodyPr>
-          <a:lstStyle/>
-          <a:p>
-            <a:r>
-              <a:rPr lang="ja-JP" altLang="en-US" sz="2400" dirty="0" smtClean="0"/>
-              <a:t>自分のラズベリーパイ</a:t>
-            </a:r>
-            <a:r>
-              <a:rPr lang="en-US" altLang="ja-JP" sz="2400" dirty="0" smtClean="0"/>
-              <a:t>4B</a:t>
-            </a:r>
-            <a:r>
-              <a:rPr lang="ja-JP" altLang="en-US" sz="2400" dirty="0" smtClean="0"/>
-              <a:t>で応答速度を測る</a:t>
-            </a:r>
-            <a:r>
-              <a:rPr lang="ja-JP" altLang="en-US" sz="2400" dirty="0" smtClean="0"/>
-              <a:t>準備をした</a:t>
-            </a:r>
-            <a:endParaRPr lang="en-US" altLang="ja-JP" sz="2400" dirty="0"/>
-          </a:p>
-          <a:p>
-            <a:pPr lvl="1"/>
-            <a:r>
-              <a:rPr lang="ja-JP" altLang="en-US" dirty="0" smtClean="0"/>
-              <a:t>ラズビアン</a:t>
-            </a:r>
-            <a:r>
-              <a:rPr lang="ja-JP" altLang="en-US" dirty="0"/>
-              <a:t>をインストール</a:t>
-            </a:r>
-            <a:r>
-              <a:rPr lang="ja-JP" altLang="en-US" dirty="0" smtClean="0"/>
-              <a:t>。</a:t>
-            </a:r>
-            <a:endParaRPr lang="en-US" altLang="ja-JP" dirty="0" smtClean="0"/>
-          </a:p>
-          <a:p>
-            <a:pPr lvl="1"/>
-            <a:r>
-              <a:rPr lang="en-US" altLang="ja-JP" dirty="0" smtClean="0"/>
-              <a:t>WEB</a:t>
-            </a:r>
-            <a:r>
-              <a:rPr lang="ja-JP" altLang="en-US" dirty="0"/>
-              <a:t>サーバ</a:t>
-            </a:r>
-            <a:r>
-              <a:rPr lang="en-US" altLang="ja-JP" dirty="0"/>
-              <a:t>(</a:t>
-            </a:r>
-            <a:r>
-              <a:rPr lang="ja-JP" altLang="en-US" dirty="0"/>
-              <a:t>アパッチ</a:t>
-            </a:r>
-            <a:r>
-              <a:rPr lang="en-US" altLang="ja-JP" dirty="0"/>
-              <a:t>)</a:t>
-            </a:r>
-            <a:r>
-              <a:rPr lang="ja-JP" altLang="en-US" dirty="0" err="1"/>
-              <a:t>、</a:t>
-            </a:r>
-            <a:r>
-              <a:rPr lang="en-US" altLang="ja-JP" dirty="0"/>
-              <a:t>PHP</a:t>
-            </a:r>
-            <a:r>
-              <a:rPr lang="ja-JP" altLang="en-US" dirty="0" err="1"/>
-              <a:t>、</a:t>
-            </a:r>
-            <a:r>
-              <a:rPr lang="en-US" altLang="ja-JP" dirty="0"/>
-              <a:t>MYSQL</a:t>
-            </a:r>
-            <a:r>
-              <a:rPr lang="ja-JP" altLang="en-US" dirty="0"/>
-              <a:t>をインストール</a:t>
-            </a:r>
-            <a:r>
-              <a:rPr lang="ja-JP" altLang="en-US" dirty="0" smtClean="0"/>
-              <a:t>。</a:t>
-            </a:r>
-            <a:endParaRPr lang="en-US" altLang="ja-JP" dirty="0" smtClean="0"/>
-          </a:p>
-          <a:p>
-            <a:pPr lvl="1"/>
-            <a:r>
-              <a:rPr lang="ja-JP" altLang="en-US" dirty="0" smtClean="0"/>
-              <a:t>観光地</a:t>
-            </a:r>
-            <a:r>
-              <a:rPr lang="ja-JP" altLang="en-US" dirty="0"/>
-              <a:t>の情報を入れた</a:t>
-            </a:r>
-            <a:r>
-              <a:rPr lang="ja-JP" altLang="en-US" dirty="0" smtClean="0"/>
-              <a:t>データベースをラズパイの</a:t>
-            </a:r>
-            <a:r>
-              <a:rPr lang="en-US" altLang="ja-JP" dirty="0" smtClean="0"/>
-              <a:t>MYSQL</a:t>
-            </a:r>
-            <a:r>
-              <a:rPr lang="ja-JP" altLang="en-US" dirty="0" smtClean="0"/>
-              <a:t>で作成。</a:t>
-            </a:r>
-            <a:r>
-              <a:rPr lang="en-US" altLang="ja-JP" dirty="0" smtClean="0"/>
-              <a:t/>
-            </a:r>
-            <a:br>
-              <a:rPr lang="en-US" altLang="ja-JP" dirty="0" smtClean="0"/>
-            </a:br>
-            <a:r>
-              <a:rPr lang="en-US" altLang="ja-JP" dirty="0" smtClean="0"/>
-              <a:t/>
-            </a:r>
-            <a:br>
-              <a:rPr lang="en-US" altLang="ja-JP" dirty="0" smtClean="0"/>
-            </a:br>
-            <a:endParaRPr lang="en-US" altLang="ja-JP" dirty="0" smtClean="0"/>
-          </a:p>
-        </p:txBody>
-      </p:sp>
-      <p:sp>
-        <p:nvSpPr>
-          <p:cNvPr id="4" name="スライド番号プレースホルダー 3"/>
-          <p:cNvSpPr>
-            <a:spLocks noGrp="1"/>
-          </p:cNvSpPr>
-          <p:nvPr>
-            <p:ph type="sldNum" sz="quarter" idx="12"/>
-          </p:nvPr>
-        </p:nvSpPr>
-        <p:spPr/>
-        <p:txBody>
-          <a:bodyPr/>
-          <a:lstStyle/>
-          <a:p>
-            <a:fld id="{4A32CB03-0843-4AF8-BFB2-C9917854BC7E}" type="slidenum">
-              <a:rPr kumimoji="1" lang="ja-JP" altLang="en-US" smtClean="0"/>
-              <a:t>2</a:t>
-            </a:fld>
-            <a:endParaRPr kumimoji="1" lang="ja-JP" altLang="en-US"/>
-          </a:p>
-        </p:txBody>
-      </p:sp>
-      <p:sp>
-        <p:nvSpPr>
-          <p:cNvPr id="6" name="タイトル 1"/>
-          <p:cNvSpPr>
-            <a:spLocks noGrp="1"/>
-          </p:cNvSpPr>
-          <p:nvPr>
-            <p:ph type="title"/>
-          </p:nvPr>
-        </p:nvSpPr>
-        <p:spPr/>
-        <p:txBody>
-          <a:bodyPr/>
-          <a:lstStyle/>
-          <a:p>
-            <a:r>
-              <a:rPr lang="en-US" altLang="ja-JP" dirty="0" smtClean="0"/>
-              <a:t>6</a:t>
-            </a:r>
-            <a:r>
-              <a:rPr kumimoji="1" lang="en-US" altLang="ja-JP" dirty="0" smtClean="0"/>
-              <a:t>/4</a:t>
-            </a:r>
-            <a:r>
-              <a:rPr kumimoji="1" lang="ja-JP" altLang="en-US" dirty="0" smtClean="0"/>
-              <a:t>～</a:t>
-            </a:r>
-            <a:r>
-              <a:rPr lang="en-US" altLang="ja-JP" dirty="0"/>
-              <a:t> </a:t>
-            </a:r>
-            <a:r>
-              <a:rPr lang="en-US" altLang="ja-JP" dirty="0" smtClean="0"/>
-              <a:t>6/11</a:t>
-            </a:r>
-            <a:r>
-              <a:rPr kumimoji="1" lang="ja-JP" altLang="en-US" dirty="0" err="1" smtClean="0"/>
-              <a:t>までの</a:t>
-            </a:r>
-            <a:r>
-              <a:rPr kumimoji="1" lang="ja-JP" altLang="en-US" dirty="0" smtClean="0"/>
-              <a:t>進捗</a:t>
-            </a:r>
-            <a:endParaRPr kumimoji="1" lang="ja-JP" altLang="en-US" dirty="0"/>
-          </a:p>
-        </p:txBody>
-      </p:sp>
-      <p:pic>
-        <p:nvPicPr>
-          <p:cNvPr id="2" name="図 1"/>
-          <p:cNvPicPr>
-            <a:picLocks noChangeAspect="1"/>
-          </p:cNvPicPr>
-          <p:nvPr/>
-        </p:nvPicPr>
-        <p:blipFill rotWithShape="1">
-          <a:blip r:embed="rId2" cstate="print">
-            <a:extLst>
-              <a:ext uri="{28A0092B-C50C-407E-A947-70E740481C1C}">
-                <a14:useLocalDpi xmlns:a14="http://schemas.microsoft.com/office/drawing/2010/main" val="0"/>
-              </a:ext>
-            </a:extLst>
-          </a:blip>
-          <a:srcRect l="21203" t="18575" r="7216" b="17940"/>
-          <a:stretch/>
-        </p:blipFill>
-        <p:spPr>
-          <a:xfrm>
-            <a:off x="1012559" y="3819440"/>
-            <a:ext cx="2967669" cy="1974458"/>
-          </a:xfrm>
-          <a:prstGeom prst="rect">
-            <a:avLst/>
-          </a:prstGeom>
-        </p:spPr>
-      </p:pic>
-      <p:pic>
-        <p:nvPicPr>
-          <p:cNvPr id="5" name="図 4"/>
-          <p:cNvPicPr>
-            <a:picLocks noChangeAspect="1"/>
-          </p:cNvPicPr>
-          <p:nvPr/>
-        </p:nvPicPr>
-        <p:blipFill>
-          <a:blip r:embed="rId3" cstate="print">
-            <a:extLst>
-              <a:ext uri="{28A0092B-C50C-407E-A947-70E740481C1C}">
-                <a14:useLocalDpi xmlns:a14="http://schemas.microsoft.com/office/drawing/2010/main" val="0"/>
-              </a:ext>
-            </a:extLst>
-          </a:blip>
-          <a:stretch>
-            <a:fillRect/>
-          </a:stretch>
-        </p:blipFill>
-        <p:spPr>
-          <a:xfrm>
-            <a:off x="4523448" y="3527193"/>
-            <a:ext cx="3587491" cy="2558953"/>
-          </a:xfrm>
-          <a:prstGeom prst="rect">
-            <a:avLst/>
-          </a:prstGeom>
-        </p:spPr>
-      </p:pic>
-      <p:sp>
-        <p:nvSpPr>
-          <p:cNvPr id="20" name="テキスト ボックス 19"/>
-          <p:cNvSpPr txBox="1"/>
-          <p:nvPr/>
-        </p:nvSpPr>
-        <p:spPr>
-          <a:xfrm>
-            <a:off x="1551099" y="5901480"/>
-            <a:ext cx="1800493" cy="369332"/>
-          </a:xfrm>
-          <a:prstGeom prst="rect">
-            <a:avLst/>
-          </a:prstGeom>
-          <a:noFill/>
-        </p:spPr>
-        <p:txBody>
-          <a:bodyPr wrap="none" rtlCol="0">
-            <a:spAutoFit/>
-          </a:bodyPr>
-          <a:lstStyle/>
-          <a:p>
-            <a:r>
-              <a:rPr kumimoji="1" lang="ja-JP" altLang="en-US" dirty="0" smtClean="0"/>
-              <a:t>自分のラズパイ</a:t>
-            </a:r>
-            <a:endParaRPr kumimoji="1" lang="ja-JP" altLang="en-US" dirty="0"/>
-          </a:p>
-        </p:txBody>
-      </p:sp>
-      <p:sp>
-        <p:nvSpPr>
-          <p:cNvPr id="30" name="テキスト ボックス 29"/>
-          <p:cNvSpPr txBox="1"/>
-          <p:nvPr/>
-        </p:nvSpPr>
-        <p:spPr>
-          <a:xfrm>
-            <a:off x="4590598" y="6119063"/>
-            <a:ext cx="3453189" cy="369332"/>
-          </a:xfrm>
-          <a:prstGeom prst="rect">
-            <a:avLst/>
-          </a:prstGeom>
-          <a:noFill/>
-        </p:spPr>
-        <p:txBody>
-          <a:bodyPr wrap="none" rtlCol="0">
-            <a:spAutoFit/>
-          </a:bodyPr>
-          <a:lstStyle/>
-          <a:p>
-            <a:r>
-              <a:rPr kumimoji="1" lang="ja-JP" altLang="en-US" dirty="0" smtClean="0"/>
-              <a:t>観光地の情報を入れた</a:t>
-            </a:r>
-            <a:r>
-              <a:rPr kumimoji="1" lang="en-US" altLang="ja-JP" dirty="0" smtClean="0"/>
-              <a:t>DB</a:t>
-            </a:r>
-            <a:r>
-              <a:rPr kumimoji="1" lang="ja-JP" altLang="en-US" dirty="0" smtClean="0"/>
-              <a:t>を作成</a:t>
-            </a:r>
-            <a:endParaRPr kumimoji="1" lang="ja-JP" altLang="en-US" dirty="0"/>
-          </a:p>
-        </p:txBody>
-      </p:sp>
-    </p:spTree>
-    <p:extLst>
-      <p:ext uri="{BB962C8B-B14F-4D97-AF65-F5344CB8AC3E}">
-        <p14:creationId xmlns:p14="http://schemas.microsoft.com/office/powerpoint/2010/main" val="2907809624"/>
-      </p:ext>
-    </p:extLst>
-  </p:cSld>
-  <p:clrMapOvr>
-    <a:masterClrMapping/>
-  </p:clrMapOvr>
-  <p:timing>
-    <p:tnLst>
-      <p:par>
-        <p:cTn id="1" dur="indefinite" restart="never" nodeType="tmRoot"/>
-      </p:par>
-    </p:tnLst>
-  </p:timing>
-</p:sld>
-</file>
-
-<file path=ppt/slides/slide3.xml><?xml version="1.0" encoding="utf-8"?>
-<p:sld xmlns:a="http://schemas.openxmlformats.org/drawingml/2006/main" xmlns:r="http://schemas.openxmlformats.org/officeDocument/2006/relationships" xmlns:p="http://schemas.openxmlformats.org/presentationml/2006/main">
-  <p:cSld>
-    <p:spTree>
-      <p:nvGrpSpPr>
-        <p:cNvPr id="1" name=""/>
-        <p:cNvGrpSpPr/>
-        <p:nvPr/>
-      </p:nvGrpSpPr>
-      <p:grpSpPr>
-        <a:xfrm>
-          <a:off x="0" y="0"/>
-          <a:ext cx="0" cy="0"/>
-          <a:chOff x="0" y="0"/>
-          <a:chExt cx="0" cy="0"/>
-        </a:xfrm>
-      </p:grpSpPr>
-      <p:sp>
-        <p:nvSpPr>
-          <p:cNvPr id="3" name="コンテンツ プレースホルダー 2"/>
-          <p:cNvSpPr>
-            <a:spLocks noGrp="1"/>
-          </p:cNvSpPr>
-          <p:nvPr>
-            <p:ph idx="1"/>
-          </p:nvPr>
-        </p:nvSpPr>
-        <p:spPr>
-          <a:xfrm>
             <a:off x="242761" y="1690143"/>
             <a:ext cx="8771766" cy="543259"/>
           </a:xfrm>
@@ -6233,7 +5988,7 @@
           <a:p>
             <a:fld id="{4A32CB03-0843-4AF8-BFB2-C9917854BC7E}" type="slidenum">
               <a:rPr kumimoji="1" lang="ja-JP" altLang="en-US" smtClean="0"/>
-              <a:t>3</a:t>
+              <a:t>15</a:t>
             </a:fld>
             <a:endParaRPr kumimoji="1" lang="ja-JP" altLang="en-US"/>
           </a:p>
@@ -6251,38 +6006,16 @@
         </p:nvSpPr>
         <p:spPr/>
         <p:txBody>
-          <a:bodyPr/>
-          <a:lstStyle/>
-          <a:p>
-            <a:r>
-              <a:rPr lang="en-US" altLang="ja-JP" dirty="0" smtClean="0"/>
-              <a:t>6</a:t>
-            </a:r>
-            <a:r>
-              <a:rPr kumimoji="1" lang="en-US" altLang="ja-JP" dirty="0" smtClean="0"/>
-              <a:t>/4</a:t>
-            </a:r>
-            <a:r>
-              <a:rPr kumimoji="1" lang="ja-JP" altLang="en-US" dirty="0" smtClean="0"/>
-              <a:t>～</a:t>
-            </a:r>
-            <a:r>
-              <a:rPr lang="en-US" altLang="ja-JP" dirty="0"/>
-              <a:t> </a:t>
-            </a:r>
-            <a:r>
-              <a:rPr lang="en-US" altLang="ja-JP" dirty="0" smtClean="0"/>
-              <a:t>6/11</a:t>
-            </a:r>
-            <a:r>
-              <a:rPr kumimoji="1" lang="ja-JP" altLang="en-US" dirty="0" err="1" smtClean="0"/>
-              <a:t>までの</a:t>
-            </a:r>
-            <a:r>
-              <a:rPr kumimoji="1" lang="ja-JP" altLang="en-US" dirty="0" smtClean="0"/>
-              <a:t>進捗</a:t>
-            </a:r>
-            <a:endParaRPr kumimoji="1" lang="ja-JP" altLang="en-US" dirty="0"/>
+          <a:bodyPr>
+            <a:normAutofit/>
+          </a:bodyPr>
+          <a:lstStyle/>
+          <a:p>
+            <a:r>
+              <a:rPr kumimoji="1" lang="ja-JP" altLang="en-US" sz="4000" dirty="0" smtClean="0"/>
+              <a:t>ラズパイ上に検索システムの作成</a:t>
+            </a:r>
+            <a:endParaRPr kumimoji="1" lang="ja-JP" altLang="en-US" sz="4000" dirty="0"/>
           </a:p>
         </p:txBody>
       </p:sp>
@@ -6491,6 +6224,528 @@
 </p:sld>
 </file>
 
+<file path=ppt/slides/slide2.xml><?xml version="1.0" encoding="utf-8"?>
+<p:sld xmlns:a="http://schemas.openxmlformats.org/drawingml/2006/main" xmlns:r="http://schemas.openxmlformats.org/officeDocument/2006/relationships" xmlns:p="http://schemas.openxmlformats.org/presentationml/2006/main">
+  <p:cSld>
+    <p:spTree>
+      <p:nvGrpSpPr>
+        <p:cNvPr id="1" name=""/>
+        <p:cNvGrpSpPr/>
+        <p:nvPr/>
+      </p:nvGrpSpPr>
+      <p:grpSpPr>
+        <a:xfrm>
+          <a:off x="0" y="0"/>
+          <a:ext cx="0" cy="0"/>
+          <a:chOff x="0" y="0"/>
+          <a:chExt cx="0" cy="0"/>
+        </a:xfrm>
+      </p:grpSpPr>
+      <p:sp>
+        <p:nvSpPr>
+          <p:cNvPr id="3" name="コンテンツ プレースホルダー 2"/>
+          <p:cNvSpPr>
+            <a:spLocks noGrp="1"/>
+          </p:cNvSpPr>
+          <p:nvPr>
+            <p:ph idx="1"/>
+          </p:nvPr>
+        </p:nvSpPr>
+        <p:spPr>
+          <a:xfrm>
+            <a:off x="275129" y="1585493"/>
+            <a:ext cx="8771766" cy="2776114"/>
+          </a:xfrm>
+        </p:spPr>
+        <p:txBody>
+          <a:bodyPr>
+            <a:normAutofit/>
+          </a:bodyPr>
+          <a:lstStyle/>
+          <a:p>
+            <a:pPr marL="0" indent="0">
+              <a:buNone/>
+            </a:pPr>
+            <a:r>
+              <a:rPr lang="ja-JP" altLang="en-US" dirty="0" smtClean="0"/>
+              <a:t>前回</a:t>
+            </a:r>
+            <a:endParaRPr lang="en-US" altLang="ja-JP" dirty="0"/>
+          </a:p>
+          <a:p>
+            <a:pPr lvl="1"/>
+            <a:r>
+              <a:rPr lang="ja-JP" altLang="en-US" dirty="0" smtClean="0"/>
+              <a:t>ラズパイ</a:t>
+            </a:r>
+            <a:r>
+              <a:rPr lang="ja-JP" altLang="en-US" dirty="0"/>
+              <a:t>１台だけ検索システムとデータベースをつなげて</a:t>
+            </a:r>
+            <a:r>
+              <a:rPr lang="en-US" altLang="ja-JP" dirty="0"/>
+              <a:t>PC</a:t>
+            </a:r>
+            <a:r>
+              <a:rPr lang="ja-JP" altLang="en-US" dirty="0"/>
+              <a:t>からアクセスに成功した</a:t>
+            </a:r>
+            <a:r>
+              <a:rPr lang="ja-JP" altLang="en-US" dirty="0" smtClean="0"/>
+              <a:t>。</a:t>
+            </a:r>
+            <a:endParaRPr lang="en-US" altLang="ja-JP" dirty="0" smtClean="0"/>
+          </a:p>
+          <a:p>
+            <a:pPr marL="0" indent="0">
+              <a:buNone/>
+            </a:pPr>
+            <a:r>
+              <a:rPr lang="ja-JP" altLang="en-US" dirty="0" smtClean="0"/>
+              <a:t>今回</a:t>
+            </a:r>
+            <a:endParaRPr lang="en-US" altLang="ja-JP" dirty="0"/>
+          </a:p>
+          <a:p>
+            <a:pPr lvl="1"/>
+            <a:r>
+              <a:rPr lang="ja-JP" altLang="en-US" dirty="0" smtClean="0"/>
+              <a:t>まったく</a:t>
+            </a:r>
+            <a:r>
+              <a:rPr lang="ja-JP" altLang="en-US" dirty="0"/>
+              <a:t>同じ環境をラズベリーパイ２台に作成。</a:t>
+            </a:r>
+            <a:r>
+              <a:rPr lang="ja-JP" altLang="en-US" dirty="0"/>
+              <a:t/>
+            </a:r>
+            <a:br>
+              <a:rPr lang="ja-JP" altLang="en-US" dirty="0"/>
+            </a:br>
+            <a:r>
+              <a:rPr lang="en-US" altLang="ja-JP" dirty="0"/>
+              <a:t>(</a:t>
+            </a:r>
+            <a:r>
+              <a:rPr lang="ja-JP" altLang="en-US" dirty="0"/>
+              <a:t>マイクロ</a:t>
+            </a:r>
+            <a:r>
+              <a:rPr lang="en-US" altLang="ja-JP" dirty="0"/>
+              <a:t>SD</a:t>
+            </a:r>
+            <a:r>
+              <a:rPr lang="ja-JP" altLang="en-US" dirty="0"/>
+              <a:t>をイメージファイル化してコピーした。</a:t>
+            </a:r>
+            <a:r>
+              <a:rPr lang="en-US" altLang="ja-JP" dirty="0" smtClean="0"/>
+              <a:t>)</a:t>
+            </a:r>
+          </a:p>
+        </p:txBody>
+      </p:sp>
+      <p:sp>
+        <p:nvSpPr>
+          <p:cNvPr id="4" name="スライド番号プレースホルダー 3"/>
+          <p:cNvSpPr>
+            <a:spLocks noGrp="1"/>
+          </p:cNvSpPr>
+          <p:nvPr>
+            <p:ph type="sldNum" sz="quarter" idx="12"/>
+          </p:nvPr>
+        </p:nvSpPr>
+        <p:spPr/>
+        <p:txBody>
+          <a:bodyPr/>
+          <a:lstStyle/>
+          <a:p>
+            <a:fld id="{4A32CB03-0843-4AF8-BFB2-C9917854BC7E}" type="slidenum">
+              <a:rPr kumimoji="1" lang="ja-JP" altLang="en-US" smtClean="0"/>
+              <a:t>2</a:t>
+            </a:fld>
+            <a:endParaRPr kumimoji="1" lang="ja-JP" altLang="en-US"/>
+          </a:p>
+        </p:txBody>
+      </p:sp>
+      <p:sp>
+        <p:nvSpPr>
+          <p:cNvPr id="6" name="タイトル 1"/>
+          <p:cNvSpPr>
+            <a:spLocks noGrp="1"/>
+          </p:cNvSpPr>
+          <p:nvPr>
+            <p:ph type="title"/>
+          </p:nvPr>
+        </p:nvSpPr>
+        <p:spPr/>
+        <p:txBody>
+          <a:bodyPr/>
+          <a:lstStyle/>
+          <a:p>
+            <a:r>
+              <a:rPr lang="en-US" altLang="ja-JP" dirty="0" smtClean="0"/>
+              <a:t>6</a:t>
+            </a:r>
+            <a:r>
+              <a:rPr kumimoji="1" lang="en-US" altLang="ja-JP" dirty="0" smtClean="0"/>
+              <a:t>/11</a:t>
+            </a:r>
+            <a:r>
+              <a:rPr kumimoji="1" lang="ja-JP" altLang="en-US" dirty="0" smtClean="0"/>
+              <a:t>～</a:t>
+            </a:r>
+            <a:r>
+              <a:rPr lang="en-US" altLang="ja-JP" dirty="0" smtClean="0"/>
+              <a:t> 6/18</a:t>
+            </a:r>
+            <a:r>
+              <a:rPr kumimoji="1" lang="ja-JP" altLang="en-US" dirty="0" err="1" smtClean="0"/>
+              <a:t>までの</a:t>
+            </a:r>
+            <a:r>
+              <a:rPr kumimoji="1" lang="ja-JP" altLang="en-US" dirty="0" smtClean="0"/>
+              <a:t>進捗</a:t>
+            </a:r>
+            <a:endParaRPr kumimoji="1" lang="ja-JP" altLang="en-US" dirty="0"/>
+          </a:p>
+        </p:txBody>
+      </p:sp>
+      <p:pic>
+        <p:nvPicPr>
+          <p:cNvPr id="7" name="図 6"/>
+          <p:cNvPicPr>
+            <a:picLocks noChangeAspect="1"/>
+          </p:cNvPicPr>
+          <p:nvPr/>
+        </p:nvPicPr>
+        <p:blipFill>
+          <a:blip r:embed="rId2"/>
+          <a:stretch>
+            <a:fillRect/>
+          </a:stretch>
+        </p:blipFill>
+        <p:spPr>
+          <a:xfrm>
+            <a:off x="1826054" y="4020361"/>
+            <a:ext cx="5491891" cy="2518552"/>
+          </a:xfrm>
+          <a:prstGeom prst="rect">
+            <a:avLst/>
+          </a:prstGeom>
+        </p:spPr>
+      </p:pic>
+    </p:spTree>
+    <p:extLst>
+      <p:ext uri="{BB962C8B-B14F-4D97-AF65-F5344CB8AC3E}">
+        <p14:creationId xmlns:p14="http://schemas.microsoft.com/office/powerpoint/2010/main" val="2907809624"/>
+      </p:ext>
+    </p:extLst>
+  </p:cSld>
+  <p:clrMapOvr>
+    <a:masterClrMapping/>
+  </p:clrMapOvr>
+  <p:timing>
+    <p:tnLst>
+      <p:par>
+        <p:cTn id="1" dur="indefinite" restart="never" nodeType="tmRoot"/>
+      </p:par>
+    </p:tnLst>
+  </p:timing>
+</p:sld>
+</file>
+
+<file path=ppt/slides/slide3.xml><?xml version="1.0" encoding="utf-8"?>
+<p:sld xmlns:a="http://schemas.openxmlformats.org/drawingml/2006/main" xmlns:r="http://schemas.openxmlformats.org/officeDocument/2006/relationships" xmlns:p="http://schemas.openxmlformats.org/presentationml/2006/main">
+  <p:cSld>
+    <p:spTree>
+      <p:nvGrpSpPr>
+        <p:cNvPr id="1" name=""/>
+        <p:cNvGrpSpPr/>
+        <p:nvPr/>
+      </p:nvGrpSpPr>
+      <p:grpSpPr>
+        <a:xfrm>
+          <a:off x="0" y="0"/>
+          <a:ext cx="0" cy="0"/>
+          <a:chOff x="0" y="0"/>
+          <a:chExt cx="0" cy="0"/>
+        </a:xfrm>
+      </p:grpSpPr>
+      <p:sp>
+        <p:nvSpPr>
+          <p:cNvPr id="3" name="コンテンツ プレースホルダー 2"/>
+          <p:cNvSpPr>
+            <a:spLocks noGrp="1"/>
+          </p:cNvSpPr>
+          <p:nvPr>
+            <p:ph idx="1"/>
+          </p:nvPr>
+        </p:nvSpPr>
+        <p:spPr>
+          <a:xfrm>
+            <a:off x="275129" y="1585492"/>
+            <a:ext cx="8771766" cy="4839583"/>
+          </a:xfrm>
+        </p:spPr>
+        <p:txBody>
+          <a:bodyPr>
+            <a:normAutofit/>
+          </a:bodyPr>
+          <a:lstStyle/>
+          <a:p>
+            <a:pPr lvl="1"/>
+            <a:r>
+              <a:rPr lang="en-US" altLang="ja-JP" dirty="0" smtClean="0"/>
+              <a:t>IP</a:t>
+            </a:r>
+            <a:r>
+              <a:rPr lang="ja-JP" altLang="en-US" dirty="0"/>
+              <a:t>アドレスは下記のように固定した</a:t>
+            </a:r>
+            <a:r>
+              <a:rPr lang="ja-JP" altLang="en-US" dirty="0" smtClean="0"/>
+              <a:t>。</a:t>
+            </a:r>
+            <a:r>
+              <a:rPr lang="en-US" altLang="ja-JP" dirty="0" smtClean="0"/>
+              <a:t/>
+            </a:r>
+            <a:br>
+              <a:rPr lang="en-US" altLang="ja-JP" dirty="0" smtClean="0"/>
+            </a:br>
+            <a:r>
+              <a:rPr lang="en-US" altLang="ja-JP" dirty="0" smtClean="0"/>
+              <a:t/>
+            </a:r>
+            <a:br>
+              <a:rPr lang="en-US" altLang="ja-JP" dirty="0" smtClean="0"/>
+            </a:br>
+            <a:r>
+              <a:rPr lang="en-US" altLang="ja-JP" dirty="0" smtClean="0"/>
+              <a:t/>
+            </a:r>
+            <a:br>
+              <a:rPr lang="en-US" altLang="ja-JP" dirty="0" smtClean="0"/>
+            </a:br>
+            <a:r>
+              <a:rPr lang="en-US" altLang="ja-JP" dirty="0" smtClean="0"/>
+              <a:t/>
+            </a:r>
+            <a:br>
+              <a:rPr lang="en-US" altLang="ja-JP" dirty="0" smtClean="0"/>
+            </a:br>
+            <a:r>
+              <a:rPr lang="en-US" altLang="ja-JP" dirty="0" smtClean="0"/>
+              <a:t/>
+            </a:r>
+            <a:br>
+              <a:rPr lang="en-US" altLang="ja-JP" dirty="0" smtClean="0"/>
+            </a:br>
+            <a:r>
+              <a:rPr lang="en-US" altLang="ja-JP" dirty="0" smtClean="0"/>
+              <a:t/>
+            </a:r>
+            <a:br>
+              <a:rPr lang="en-US" altLang="ja-JP" dirty="0" smtClean="0"/>
+            </a:br>
+            <a:endParaRPr lang="en-US" altLang="ja-JP" dirty="0" smtClean="0"/>
+          </a:p>
+          <a:p>
+            <a:pPr lvl="1"/>
+            <a:endParaRPr lang="en-US" altLang="ja-JP" dirty="0" smtClean="0"/>
+          </a:p>
+          <a:p>
+            <a:pPr lvl="1"/>
+            <a:r>
+              <a:rPr lang="ja-JP" altLang="en-US" dirty="0" smtClean="0"/>
+              <a:t>以前</a:t>
+            </a:r>
+            <a:r>
+              <a:rPr lang="ja-JP" altLang="en-US" dirty="0"/>
+              <a:t>作った応答速度を測る</a:t>
+            </a:r>
+            <a:r>
+              <a:rPr lang="ja-JP" altLang="en-US" dirty="0" smtClean="0"/>
+              <a:t>プログラムを同時に３台</a:t>
+            </a:r>
+            <a:r>
+              <a:rPr lang="ja-JP" altLang="en-US" dirty="0"/>
+              <a:t>を</a:t>
+            </a:r>
+            <a:r>
+              <a:rPr lang="ja-JP" altLang="en-US" dirty="0" smtClean="0"/>
+              <a:t>計測できるように変更</a:t>
+            </a:r>
+            <a:endParaRPr lang="en-US" altLang="ja-JP" dirty="0" smtClean="0"/>
+          </a:p>
+          <a:p>
+            <a:pPr lvl="1"/>
+            <a:endParaRPr lang="en-US" altLang="ja-JP" dirty="0"/>
+          </a:p>
+          <a:p>
+            <a:pPr lvl="1"/>
+            <a:r>
+              <a:rPr lang="en-US" altLang="ja-JP" dirty="0" smtClean="0"/>
+              <a:t>3</a:t>
+            </a:r>
+            <a:r>
+              <a:rPr lang="ja-JP" altLang="en-US" dirty="0" smtClean="0"/>
+              <a:t>台の応答速度を測定</a:t>
+            </a:r>
+            <a:r>
+              <a:rPr lang="en-US" altLang="ja-JP" dirty="0" smtClean="0"/>
+              <a:t/>
+            </a:r>
+            <a:br>
+              <a:rPr lang="en-US" altLang="ja-JP" dirty="0" smtClean="0"/>
+            </a:br>
+            <a:r>
+              <a:rPr lang="en-US" altLang="ja-JP" dirty="0" smtClean="0"/>
+              <a:t>(30</a:t>
+            </a:r>
+            <a:r>
+              <a:rPr lang="ja-JP" altLang="en-US" dirty="0" smtClean="0"/>
+              <a:t>分毎にリクエスト送信、</a:t>
+            </a:r>
+            <a:r>
+              <a:rPr lang="en-US" altLang="ja-JP" dirty="0" smtClean="0"/>
+              <a:t>24</a:t>
+            </a:r>
+            <a:r>
+              <a:rPr lang="ja-JP" altLang="en-US" dirty="0" smtClean="0"/>
+              <a:t>時間測った</a:t>
+            </a:r>
+            <a:r>
+              <a:rPr lang="en-US" altLang="ja-JP" dirty="0" smtClean="0"/>
+              <a:t>)</a:t>
+            </a:r>
+          </a:p>
+          <a:p>
+            <a:pPr marL="457200" lvl="1" indent="0">
+              <a:buNone/>
+            </a:pPr>
+            <a:endParaRPr lang="en-US" altLang="ja-JP" dirty="0" smtClean="0"/>
+          </a:p>
+        </p:txBody>
+      </p:sp>
+      <p:sp>
+        <p:nvSpPr>
+          <p:cNvPr id="4" name="スライド番号プレースホルダー 3"/>
+          <p:cNvSpPr>
+            <a:spLocks noGrp="1"/>
+          </p:cNvSpPr>
+          <p:nvPr>
+            <p:ph type="sldNum" sz="quarter" idx="12"/>
+          </p:nvPr>
+        </p:nvSpPr>
+        <p:spPr/>
+        <p:txBody>
+          <a:bodyPr/>
+          <a:lstStyle/>
+          <a:p>
+            <a:fld id="{4A32CB03-0843-4AF8-BFB2-C9917854BC7E}" type="slidenum">
+              <a:rPr kumimoji="1" lang="ja-JP" altLang="en-US" smtClean="0"/>
+              <a:t>3</a:t>
+            </a:fld>
+            <a:endParaRPr kumimoji="1" lang="ja-JP" altLang="en-US"/>
+          </a:p>
+        </p:txBody>
+      </p:sp>
+      <p:sp>
+        <p:nvSpPr>
+          <p:cNvPr id="6" name="タイトル 1"/>
+          <p:cNvSpPr>
+            <a:spLocks noGrp="1"/>
+          </p:cNvSpPr>
+          <p:nvPr>
+            <p:ph type="title"/>
+          </p:nvPr>
+        </p:nvSpPr>
+        <p:spPr/>
+        <p:txBody>
+          <a:bodyPr/>
+          <a:lstStyle/>
+          <a:p>
+            <a:r>
+              <a:rPr lang="en-US" altLang="ja-JP" dirty="0" smtClean="0"/>
+              <a:t>6</a:t>
+            </a:r>
+            <a:r>
+              <a:rPr kumimoji="1" lang="en-US" altLang="ja-JP" dirty="0" smtClean="0"/>
+              <a:t>/11</a:t>
+            </a:r>
+            <a:r>
+              <a:rPr kumimoji="1" lang="ja-JP" altLang="en-US" dirty="0" smtClean="0"/>
+              <a:t>～</a:t>
+            </a:r>
+            <a:r>
+              <a:rPr lang="en-US" altLang="ja-JP" dirty="0" smtClean="0"/>
+              <a:t> 6/18</a:t>
+            </a:r>
+            <a:r>
+              <a:rPr kumimoji="1" lang="ja-JP" altLang="en-US" dirty="0" err="1" smtClean="0"/>
+              <a:t>までの</a:t>
+            </a:r>
+            <a:r>
+              <a:rPr kumimoji="1" lang="ja-JP" altLang="en-US" dirty="0" smtClean="0"/>
+              <a:t>進捗</a:t>
+            </a:r>
+            <a:endParaRPr kumimoji="1" lang="ja-JP" altLang="en-US" dirty="0"/>
+          </a:p>
+        </p:txBody>
+      </p:sp>
+      <p:pic>
+        <p:nvPicPr>
+          <p:cNvPr id="5" name="図 4"/>
+          <p:cNvPicPr>
+            <a:picLocks noChangeAspect="1"/>
+          </p:cNvPicPr>
+          <p:nvPr/>
+        </p:nvPicPr>
+        <p:blipFill>
+          <a:blip r:embed="rId2">
+            <a:extLst>
+              <a:ext uri="{28A0092B-C50C-407E-A947-70E740481C1C}">
+                <a14:useLocalDpi xmlns:a14="http://schemas.microsoft.com/office/drawing/2010/main" val="0"/>
+              </a:ext>
+            </a:extLst>
+          </a:blip>
+          <a:stretch>
+            <a:fillRect/>
+          </a:stretch>
+        </p:blipFill>
+        <p:spPr>
+          <a:xfrm>
+            <a:off x="628650" y="1944978"/>
+            <a:ext cx="7646973" cy="2112903"/>
+          </a:xfrm>
+          <a:prstGeom prst="rect">
+            <a:avLst/>
+          </a:prstGeom>
+        </p:spPr>
+      </p:pic>
+    </p:spTree>
+    <p:extLst>
+      <p:ext uri="{BB962C8B-B14F-4D97-AF65-F5344CB8AC3E}">
+        <p14:creationId xmlns:p14="http://schemas.microsoft.com/office/powerpoint/2010/main" val="2669240596"/>
+      </p:ext>
+    </p:extLst>
+  </p:cSld>
+  <p:clrMapOvr>
+    <a:masterClrMapping/>
+  </p:clrMapOvr>
+  <p:timing>
+    <p:tnLst>
+      <p:par>
+        <p:cTn id="1" dur="indefinite" restart="never" nodeType="tmRoot"/>
+      </p:par>
+    </p:tnLst>
+  </p:timing>
+</p:sld>
+</file>
+
 <file path=ppt/slides/slide4.xml><?xml version="1.0" encoding="utf-8"?>
 <p:sld xmlns:a="http://schemas.openxmlformats.org/drawingml/2006/main" xmlns:r="http://schemas.openxmlformats.org/officeDocument/2006/relationships" xmlns:p="http://schemas.openxmlformats.org/presentationml/2006/main">
   <p:cSld>
@@ -6510,116 +6765,6 @@
       </p:grpSpPr>
       <p:sp>
         <p:nvSpPr>
-          <p:cNvPr id="2" name="タイトル 1"/>
-          <p:cNvSpPr>
-            <a:spLocks noGrp="1"/>
-          </p:cNvSpPr>
-          <p:nvPr>
-            <p:ph type="title"/>
-          </p:nvPr>
-        </p:nvSpPr>
-        <p:spPr/>
-        <p:txBody>
-          <a:bodyPr/>
-          <a:lstStyle/>
-          <a:p>
-            <a:r>
-              <a:rPr lang="ja-JP" altLang="en-US" dirty="0" smtClean="0"/>
-              <a:t>感想と今後</a:t>
-            </a:r>
-            <a:r>
-              <a:rPr lang="ja-JP" altLang="en-US" dirty="0" smtClean="0"/>
-              <a:t>の予定</a:t>
-            </a:r>
-            <a:endParaRPr kumimoji="1" lang="ja-JP" altLang="en-US" dirty="0"/>
-          </a:p>
-        </p:txBody>
-      </p:sp>
-      <p:sp>
-        <p:nvSpPr>
-          <p:cNvPr id="3" name="コンテンツ プレースホルダー 2"/>
-          <p:cNvSpPr>
-            <a:spLocks noGrp="1"/>
-          </p:cNvSpPr>
-          <p:nvPr>
-            <p:ph idx="1"/>
-          </p:nvPr>
-        </p:nvSpPr>
-        <p:spPr>
-          <a:xfrm>
-            <a:off x="628650" y="986956"/>
-            <a:ext cx="7886700" cy="2380373"/>
-          </a:xfrm>
-        </p:spPr>
-        <p:txBody>
-          <a:bodyPr>
-            <a:normAutofit fontScale="62500" lnSpcReduction="20000"/>
-          </a:bodyPr>
-          <a:lstStyle/>
-          <a:p>
-            <a:pPr marL="0" indent="0">
-              <a:lnSpc>
-                <a:spcPct val="120000"/>
-              </a:lnSpc>
-              <a:buNone/>
-            </a:pPr>
-            <a:endParaRPr lang="en-US" altLang="ja-JP" sz="4400" b="1" dirty="0" smtClean="0"/>
-          </a:p>
-          <a:p>
-            <a:pPr>
-              <a:lnSpc>
-                <a:spcPct val="120000"/>
-              </a:lnSpc>
-            </a:pPr>
-            <a:r>
-              <a:rPr lang="en-US" altLang="ja-JP" sz="4400" dirty="0" smtClean="0"/>
-              <a:t>Windows</a:t>
-            </a:r>
-            <a:r>
-              <a:rPr lang="ja-JP" altLang="en-US" sz="4400" dirty="0"/>
-              <a:t>の</a:t>
-            </a:r>
-            <a:r>
-              <a:rPr lang="en-US" altLang="ja-JP" sz="4400" dirty="0" err="1"/>
-              <a:t>xampp</a:t>
-            </a:r>
-            <a:r>
-              <a:rPr lang="ja-JP" altLang="en-US" sz="4400" dirty="0"/>
-              <a:t>環境と違いが</a:t>
-            </a:r>
-            <a:r>
-              <a:rPr lang="ja-JP" altLang="en-US" sz="4400" dirty="0" smtClean="0"/>
-              <a:t>多く苦戦したがラズパイ上</a:t>
-            </a:r>
-            <a:r>
-              <a:rPr lang="ja-JP" altLang="en-US" sz="4400" dirty="0"/>
-              <a:t>で検索システムとデータベースの接続が無事</a:t>
-            </a:r>
-            <a:r>
-              <a:rPr lang="ja-JP" altLang="en-US" sz="4400" dirty="0" smtClean="0"/>
-              <a:t>に</a:t>
-            </a:r>
-            <a:r>
-              <a:rPr lang="ja-JP" altLang="en-US" sz="4400" dirty="0"/>
-              <a:t>出来た</a:t>
-            </a:r>
-            <a:r>
-              <a:rPr lang="ja-JP" altLang="en-US" sz="4400" dirty="0" smtClean="0"/>
-              <a:t>。</a:t>
-            </a:r>
-            <a:r>
-              <a:rPr lang="ja-JP" altLang="en-US" dirty="0"/>
-              <a:t/>
-            </a:r>
-            <a:br>
-              <a:rPr lang="ja-JP" altLang="en-US" dirty="0"/>
-            </a:br>
-            <a:endParaRPr kumimoji="1" lang="ja-JP" altLang="en-US" dirty="0"/>
-          </a:p>
-        </p:txBody>
-      </p:sp>
-      <p:sp>
-        <p:nvSpPr>
           <p:cNvPr id="4" name="スライド番号プレースホルダー 3"/>
           <p:cNvSpPr>
             <a:spLocks noGrp="1"/>
@@ -6641,6 +6786,138 @@
           </a:p>
         </p:txBody>
       </p:sp>
+      <p:pic>
+        <p:nvPicPr>
+          <p:cNvPr id="71" name="図 70"/>
+          <p:cNvPicPr>
+            <a:picLocks noChangeAspect="1"/>
+          </p:cNvPicPr>
+          <p:nvPr/>
+        </p:nvPicPr>
+        <p:blipFill>
+          <a:blip r:embed="rId2"/>
+          <a:stretch>
+            <a:fillRect/>
+          </a:stretch>
+        </p:blipFill>
+        <p:spPr>
+          <a:xfrm>
+            <a:off x="1757459" y="1286326"/>
+            <a:ext cx="5451057" cy="4993641"/>
+          </a:xfrm>
+          <a:prstGeom prst="rect">
+            <a:avLst/>
+          </a:prstGeom>
+        </p:spPr>
+      </p:pic>
+      <p:sp>
+        <p:nvSpPr>
+          <p:cNvPr id="72" name="タイトル 1"/>
+          <p:cNvSpPr>
+            <a:spLocks noGrp="1"/>
+          </p:cNvSpPr>
+          <p:nvPr>
+            <p:ph type="title"/>
+          </p:nvPr>
+        </p:nvSpPr>
+        <p:spPr>
+          <a:xfrm>
+            <a:off x="539638" y="316574"/>
+            <a:ext cx="7886700" cy="1325563"/>
+          </a:xfrm>
+        </p:spPr>
+        <p:txBody>
+          <a:bodyPr/>
+          <a:lstStyle/>
+          <a:p>
+            <a:r>
+              <a:rPr kumimoji="1" lang="ja-JP" altLang="en-US" dirty="0" smtClean="0"/>
+              <a:t>実験環境</a:t>
+            </a:r>
+            <a:endParaRPr kumimoji="1" lang="ja-JP" altLang="en-US" dirty="0"/>
+          </a:p>
+        </p:txBody>
+      </p:sp>
+    </p:spTree>
+    <p:extLst>
+      <p:ext uri="{BB962C8B-B14F-4D97-AF65-F5344CB8AC3E}">
+        <p14:creationId xmlns:p14="http://schemas.microsoft.com/office/powerpoint/2010/main" val="3301193102"/>
+      </p:ext>
+    </p:extLst>
+  </p:cSld>
+  <p:clrMapOvr>
+    <a:masterClrMapping/>
+  </p:clrMapOvr>
+</p:sld>
+</file>
+
+<file path=ppt/slides/slide5.xml><?xml version="1.0" encoding="utf-8"?>
+<p:sld xmlns:a="http://schemas.openxmlformats.org/drawingml/2006/main" xmlns:r="http://schemas.openxmlformats.org/officeDocument/2006/relationships" xmlns:p="http://schemas.openxmlformats.org/presentationml/2006/main">
+  <p:cSld>
+    <p:spTree>
+      <p:nvGrpSpPr>
+        <p:cNvPr id="1" name=""/>
+        <p:cNvGrpSpPr/>
+        <p:nvPr/>
+      </p:nvGrpSpPr>
+      <p:grpSpPr>
+        <a:xfrm>
+          <a:off x="0" y="0"/>
+          <a:ext cx="0" cy="0"/>
+          <a:chOff x="0" y="0"/>
+          <a:chExt cx="0" cy="0"/>
+        </a:xfrm>
+      </p:grpSpPr>
+      <p:sp>
+        <p:nvSpPr>
+          <p:cNvPr id="2" name="タイトル 1"/>
+          <p:cNvSpPr>
+            <a:spLocks noGrp="1"/>
+          </p:cNvSpPr>
+          <p:nvPr>
+            <p:ph type="title"/>
+          </p:nvPr>
+        </p:nvSpPr>
+        <p:spPr/>
+        <p:txBody>
+          <a:bodyPr/>
+          <a:lstStyle/>
+          <a:p>
+            <a:r>
+              <a:rPr lang="ja-JP" altLang="en-US" dirty="0" smtClean="0"/>
+              <a:t>今後</a:t>
+            </a:r>
+            <a:r>
+              <a:rPr lang="ja-JP" altLang="en-US" dirty="0" smtClean="0"/>
+              <a:t>の予定</a:t>
+            </a:r>
+            <a:endParaRPr kumimoji="1" lang="ja-JP" altLang="en-US" dirty="0"/>
+          </a:p>
+        </p:txBody>
+      </p:sp>
+      <p:sp>
+        <p:nvSpPr>
+          <p:cNvPr id="4" name="スライド番号プレースホルダー 3"/>
+          <p:cNvSpPr>
+            <a:spLocks noGrp="1"/>
+          </p:cNvSpPr>
+          <p:nvPr>
+            <p:ph type="sldNum" sz="quarter" idx="12"/>
+          </p:nvPr>
+        </p:nvSpPr>
+        <p:spPr/>
+        <p:txBody>
+          <a:bodyPr/>
+          <a:lstStyle/>
+          <a:p>
+            <a:fld id="{4A32CB03-0843-4AF8-BFB2-C9917854BC7E}" type="slidenum">
+              <a:rPr kumimoji="1" lang="ja-JP" altLang="en-US" smtClean="0"/>
+              <a:t>5</a:t>
+            </a:fld>
+            <a:endParaRPr kumimoji="1" lang="ja-JP" altLang="en-US"/>
+          </a:p>
+        </p:txBody>
+      </p:sp>
       <p:sp>
         <p:nvSpPr>
           <p:cNvPr id="5" name="コンテンツ プレースホルダー 2"/>
@@ -6651,8 +6928,8 @@
         </p:nvSpPr>
         <p:spPr>
           <a:xfrm>
-            <a:off x="628650" y="3184766"/>
-            <a:ext cx="8175485" cy="3354147"/>
+            <a:off x="555822" y="1512664"/>
+            <a:ext cx="8175485" cy="4782939"/>
           </a:xfrm>
           <a:prstGeom prst="rect">
             <a:avLst/>
@@ -6828,165 +7105,66 @@
           </a:lstStyle>
           <a:p>
             <a:pPr marL="0" indent="0">
-              <a:buFont typeface="Arial" panose="020B0604020202020204" pitchFamily="34" charset="0"/>
               <a:buNone/>
             </a:pPr>
-            <a:r>
-              <a:rPr lang="ja-JP" altLang="en-US" sz="2400" b="1" dirty="0" smtClean="0"/>
-              <a:t>今後の予定</a:t>
-            </a:r>
-            <a:endParaRPr lang="en-US" altLang="ja-JP" sz="2400" b="1" dirty="0" smtClean="0"/>
-          </a:p>
-          <a:p>
-            <a:r>
-              <a:rPr lang="ja-JP" altLang="ja-JP" sz="2400" dirty="0" smtClean="0"/>
-              <a:t>先生</a:t>
-            </a:r>
-            <a:r>
-              <a:rPr lang="ja-JP" altLang="ja-JP" sz="2400" dirty="0"/>
-              <a:t>から</a:t>
-            </a:r>
-            <a:r>
-              <a:rPr lang="ja-JP" altLang="ja-JP" sz="2400" dirty="0" smtClean="0"/>
-              <a:t>ラズパイ</a:t>
-            </a:r>
-            <a:r>
-              <a:rPr lang="en-US" altLang="ja-JP" sz="2400" dirty="0"/>
-              <a:t>2</a:t>
-            </a:r>
-            <a:r>
-              <a:rPr lang="ja-JP" altLang="en-US" sz="2400" dirty="0"/>
-              <a:t>台</a:t>
-            </a:r>
-            <a:r>
-              <a:rPr lang="ja-JP" altLang="ja-JP" sz="2400" dirty="0" smtClean="0"/>
-              <a:t>を借り</a:t>
-            </a:r>
-            <a:r>
-              <a:rPr lang="ja-JP" altLang="en-US" sz="2400" dirty="0" smtClean="0"/>
-              <a:t>たので</a:t>
-            </a:r>
-            <a:r>
-              <a:rPr lang="ja-JP" altLang="ja-JP" sz="2400" dirty="0" smtClean="0"/>
-              <a:t>、</a:t>
-            </a:r>
-            <a:r>
-              <a:rPr lang="ja-JP" altLang="ja-JP" sz="2400" dirty="0" smtClean="0"/>
-              <a:t>今回</a:t>
-            </a:r>
-            <a:r>
-              <a:rPr lang="ja-JP" altLang="ja-JP" sz="2400" dirty="0"/>
-              <a:t>と同じ環境を作る</a:t>
-            </a:r>
-            <a:r>
-              <a:rPr lang="ja-JP" altLang="ja-JP" sz="2400" dirty="0" smtClean="0"/>
-              <a:t>。</a:t>
-            </a:r>
-            <a:r>
-              <a:rPr lang="en-US" altLang="ja-JP" sz="2400" dirty="0" smtClean="0"/>
+            <a:endParaRPr lang="en-US" altLang="ja-JP" dirty="0" smtClean="0"/>
+          </a:p>
+          <a:p>
+            <a:r>
+              <a:rPr lang="ja-JP" altLang="en-US" dirty="0" smtClean="0"/>
+              <a:t>ロードバランスする方法を探してきたが、</a:t>
+            </a:r>
+            <a:r>
+              <a:rPr lang="en-US" altLang="ja-JP" dirty="0" smtClean="0"/>
               <a:t/>
             </a:r>
             <a:br>
-              <a:rPr lang="en-US" altLang="ja-JP" sz="2400" dirty="0" smtClean="0"/>
+              <a:rPr lang="en-US" altLang="ja-JP" dirty="0" smtClean="0"/>
             </a:br>
             <a:r>
-              <a:rPr lang="ja-JP" altLang="en-US" sz="2400" dirty="0" smtClean="0"/>
-              <a:t>（</a:t>
-            </a:r>
-            <a:r>
-              <a:rPr lang="ja-JP" altLang="en-US" sz="2400" dirty="0" smtClean="0"/>
-              <a:t>同じ作業をしなくても</a:t>
-            </a:r>
-            <a:r>
-              <a:rPr lang="en-US" altLang="ja-JP" sz="2400" dirty="0" err="1" smtClean="0"/>
-              <a:t>MicroSD</a:t>
-            </a:r>
-            <a:r>
-              <a:rPr lang="ja-JP" altLang="en-US" sz="2400" dirty="0"/>
-              <a:t>に入っている</a:t>
-            </a:r>
-            <a:r>
-              <a:rPr lang="en-US" altLang="ja-JP" sz="2400" dirty="0"/>
-              <a:t>OS</a:t>
-            </a:r>
-            <a:r>
-              <a:rPr lang="ja-JP" altLang="en-US" sz="2400" dirty="0"/>
-              <a:t>をイメージファイル化</a:t>
-            </a:r>
-            <a:r>
-              <a:rPr lang="ja-JP" altLang="en-US" sz="2400" dirty="0" smtClean="0"/>
-              <a:t>して別の</a:t>
-            </a:r>
-            <a:r>
-              <a:rPr lang="en-US" altLang="ja-JP" sz="2400" dirty="0" smtClean="0"/>
-              <a:t>SD</a:t>
-            </a:r>
-            <a:r>
-              <a:rPr lang="ja-JP" altLang="en-US" sz="2400" dirty="0" smtClean="0"/>
-              <a:t>へ焼けば早く済みそう。</a:t>
-            </a:r>
-            <a:r>
-              <a:rPr lang="ja-JP" altLang="en-US" sz="2400" dirty="0" smtClean="0"/>
-              <a:t>）</a:t>
-            </a:r>
-            <a:r>
-              <a:rPr lang="en-US" altLang="ja-JP" sz="2400" dirty="0" smtClean="0"/>
+              <a:rPr lang="ja-JP" altLang="en-US" dirty="0" smtClean="0"/>
+              <a:t>ちっとも見つからない。</a:t>
+            </a:r>
+            <a:endParaRPr lang="en-US" altLang="ja-JP" dirty="0" smtClean="0"/>
+          </a:p>
+          <a:p>
+            <a:endParaRPr lang="en-US" altLang="ja-JP" dirty="0"/>
+          </a:p>
+          <a:p>
+            <a:r>
+              <a:rPr lang="ja-JP" altLang="en-US" dirty="0" smtClean="0"/>
+              <a:t>応答速度が</a:t>
+            </a:r>
+            <a:r>
+              <a:rPr lang="ja-JP" altLang="en-US" dirty="0"/>
+              <a:t>前日</a:t>
+            </a:r>
+            <a:r>
+              <a:rPr lang="ja-JP" altLang="en-US" dirty="0" smtClean="0"/>
+              <a:t>の平均よりも下がっていたら知らせるシステムでもつくろうかなー。</a:t>
+            </a:r>
+            <a:endParaRPr lang="en-US" altLang="ja-JP" dirty="0" smtClean="0"/>
+          </a:p>
+          <a:p>
+            <a:endParaRPr lang="en-US" altLang="ja-JP" dirty="0"/>
+          </a:p>
+          <a:p>
+            <a:r>
+              <a:rPr lang="ja-JP" altLang="en-US" dirty="0" smtClean="0"/>
+              <a:t>実験中、応答速度を測る場所を間違えて３台の検索システムの平均を出せなかった。</a:t>
+            </a:r>
+            <a:r>
+              <a:rPr lang="en-US" altLang="ja-JP" dirty="0" smtClean="0"/>
               <a:t/>
             </a:r>
             <a:br>
-              <a:rPr lang="en-US" altLang="ja-JP" sz="2400" dirty="0" smtClean="0"/>
+              <a:rPr lang="en-US" altLang="ja-JP" dirty="0" smtClean="0"/>
             </a:br>
-            <a:endParaRPr lang="en-US" altLang="ja-JP" sz="2400" dirty="0"/>
-          </a:p>
-          <a:p>
-            <a:r>
-              <a:rPr lang="ja-JP" altLang="ja-JP" sz="2400" dirty="0" smtClean="0"/>
-              <a:t>以前</a:t>
-            </a:r>
-            <a:r>
-              <a:rPr lang="ja-JP" altLang="ja-JP" sz="2400" dirty="0"/>
-              <a:t>作った応答速度を測るプログラム</a:t>
-            </a:r>
-            <a:r>
-              <a:rPr lang="en-US" altLang="ja-JP" sz="2400" dirty="0"/>
-              <a:t>(Python)</a:t>
-            </a:r>
-            <a:r>
-              <a:rPr lang="ja-JP" altLang="ja-JP" sz="2400" dirty="0"/>
-              <a:t>で</a:t>
-            </a:r>
-            <a:br>
-              <a:rPr lang="ja-JP" altLang="ja-JP" sz="2400" dirty="0"/>
-            </a:br>
-            <a:r>
-              <a:rPr lang="ja-JP" altLang="ja-JP" sz="2400" dirty="0"/>
-              <a:t>　</a:t>
-            </a:r>
-            <a:r>
-              <a:rPr lang="ja-JP" altLang="ja-JP" sz="2400" dirty="0" smtClean="0"/>
-              <a:t>ラズパイ</a:t>
-            </a:r>
-            <a:r>
-              <a:rPr lang="en-US" altLang="ja-JP" sz="2400" dirty="0" smtClean="0"/>
-              <a:t>3</a:t>
-            </a:r>
-            <a:r>
-              <a:rPr lang="ja-JP" altLang="en-US" sz="2400" dirty="0" smtClean="0"/>
-              <a:t>台</a:t>
-            </a:r>
-            <a:r>
-              <a:rPr lang="ja-JP" altLang="ja-JP" sz="2400" dirty="0" smtClean="0"/>
-              <a:t>の</a:t>
-            </a:r>
-            <a:r>
-              <a:rPr lang="ja-JP" altLang="ja-JP" sz="2400" dirty="0"/>
-              <a:t>一日の応答速度の平均を求める</a:t>
-            </a:r>
-            <a:r>
-              <a:rPr lang="ja-JP" altLang="ja-JP" sz="2400" dirty="0" smtClean="0"/>
-              <a:t>。</a:t>
-            </a:r>
-            <a:endParaRPr lang="ja-JP" altLang="en-US" sz="2400" dirty="0"/>
+            <a:r>
+              <a:rPr lang="ja-JP" altLang="en-US" dirty="0" smtClean="0"/>
+              <a:t>→次回までに平均を出す。</a:t>
+            </a:r>
+            <a:endParaRPr lang="en-US" altLang="ja-JP" dirty="0" smtClean="0"/>
           </a:p>
         </p:txBody>
       </p:sp>
@@ -6994,166 +7172,6 @@
     <p:extLst>
       <p:ext uri="{BB962C8B-B14F-4D97-AF65-F5344CB8AC3E}">
         <p14:creationId xmlns:p14="http://schemas.microsoft.com/office/powerpoint/2010/main" val="4021467467"/>
-      </p:ext>
-    </p:extLst>
-  </p:cSld>
-  <p:clrMapOvr>
-    <a:masterClrMapping/>
-  </p:clrMapOvr>
-</p:sld>
-</file>
-
-<file path=ppt/slides/slide5.xml><?xml version="1.0" encoding="utf-8"?>
-<p:sld xmlns:a="http://schemas.openxmlformats.org/drawingml/2006/main" xmlns:r="http://schemas.openxmlformats.org/officeDocument/2006/relationships" xmlns:p="http://schemas.openxmlformats.org/presentationml/2006/main">
-  <p:cSld>
-    <p:spTree>
-      <p:nvGrpSpPr>
-        <p:cNvPr id="1" name=""/>
-        <p:cNvGrpSpPr/>
-        <p:nvPr/>
-      </p:nvGrpSpPr>
-      <p:grpSpPr>
-        <a:xfrm>
-          <a:off x="0" y="0"/>
-          <a:ext cx="0" cy="0"/>
-          <a:chOff x="0" y="0"/>
-          <a:chExt cx="0" cy="0"/>
-        </a:xfrm>
-      </p:grpSpPr>
-      <p:sp>
-        <p:nvSpPr>
-          <p:cNvPr id="2" name="タイトル 1"/>
-          <p:cNvSpPr>
-            <a:spLocks noGrp="1"/>
-          </p:cNvSpPr>
-          <p:nvPr>
-            <p:ph type="title"/>
-          </p:nvPr>
-        </p:nvSpPr>
-        <p:spPr/>
-        <p:txBody>
-          <a:bodyPr/>
-          <a:lstStyle/>
-          <a:p>
-            <a:r>
-              <a:rPr kumimoji="1" lang="ja-JP" altLang="en-US" dirty="0" smtClean="0"/>
-              <a:t>研究背景</a:t>
-            </a:r>
-            <a:endParaRPr kumimoji="1" lang="ja-JP" altLang="en-US" dirty="0"/>
-          </a:p>
-        </p:txBody>
-      </p:sp>
-      <p:sp>
-        <p:nvSpPr>
-          <p:cNvPr id="3" name="コンテンツ プレースホルダー 2"/>
-          <p:cNvSpPr>
-            <a:spLocks noGrp="1"/>
-          </p:cNvSpPr>
-          <p:nvPr>
-            <p:ph idx="1"/>
-          </p:nvPr>
-        </p:nvSpPr>
-        <p:spPr>
-          <a:xfrm>
-            <a:off x="628650" y="1491992"/>
-            <a:ext cx="7886700" cy="4351338"/>
-          </a:xfrm>
-        </p:spPr>
-        <p:txBody>
-          <a:bodyPr>
-            <a:normAutofit fontScale="92500" lnSpcReduction="10000"/>
-          </a:bodyPr>
-          <a:lstStyle/>
-          <a:p>
-            <a:endParaRPr lang="en-US" altLang="ja-JP" dirty="0"/>
-          </a:p>
-          <a:p>
-            <a:r>
-              <a:rPr lang="ja-JP" altLang="en-US" dirty="0"/>
-              <a:t>昨今の</a:t>
-            </a:r>
-            <a:r>
-              <a:rPr lang="en-US" altLang="ja-JP" dirty="0"/>
-              <a:t>WEB</a:t>
-            </a:r>
-            <a:r>
-              <a:rPr lang="ja-JP" altLang="en-US" dirty="0"/>
-              <a:t>ページは電気や水道などと同じく重要なライフラインになりつつある。</a:t>
-            </a:r>
-          </a:p>
-          <a:p>
-            <a:endParaRPr lang="ja-JP" altLang="en-US" dirty="0"/>
-          </a:p>
-          <a:p>
-            <a:r>
-              <a:rPr lang="ja-JP" altLang="en-US" dirty="0"/>
-              <a:t>しかしアクセスが増加すると、応答速度の低下や</a:t>
-            </a:r>
-            <a:r>
-              <a:rPr lang="ja-JP" altLang="en-US" dirty="0" smtClean="0"/>
-              <a:t>接続しにくいなど、サービス</a:t>
-            </a:r>
-            <a:r>
-              <a:rPr lang="ja-JP" altLang="en-US" dirty="0"/>
-              <a:t>の低下に</a:t>
-            </a:r>
-            <a:r>
-              <a:rPr lang="ja-JP" altLang="en-US" dirty="0" smtClean="0"/>
-              <a:t>つながってしまう。</a:t>
-            </a:r>
-            <a:endParaRPr lang="ja-JP" altLang="en-US" dirty="0"/>
-          </a:p>
-          <a:p>
-            <a:endParaRPr lang="ja-JP" altLang="en-US" dirty="0"/>
-          </a:p>
-          <a:p>
-            <a:r>
-              <a:rPr lang="ja-JP" altLang="en-US" dirty="0"/>
-              <a:t>サービスを止めることなく、サーバの保守や修理、拡張等が行えるロードバランサーの需要</a:t>
-            </a:r>
-            <a:r>
-              <a:rPr lang="ja-JP" altLang="en-US" dirty="0" smtClean="0"/>
-              <a:t>は今後</a:t>
-            </a:r>
-            <a:r>
-              <a:rPr lang="ja-JP" altLang="en-US" dirty="0"/>
-              <a:t>、増加傾向になると予想される</a:t>
-            </a:r>
-            <a:r>
-              <a:rPr lang="ja-JP" altLang="en-US" dirty="0" smtClean="0"/>
-              <a:t>。</a:t>
-            </a:r>
-            <a:endParaRPr lang="ja-JP" altLang="en-US" dirty="0"/>
-          </a:p>
-        </p:txBody>
-      </p:sp>
-      <p:sp>
-        <p:nvSpPr>
-          <p:cNvPr id="4" name="スライド番号プレースホルダー 3"/>
-          <p:cNvSpPr>
-            <a:spLocks noGrp="1"/>
-          </p:cNvSpPr>
-          <p:nvPr>
-            <p:ph type="sldNum" sz="quarter" idx="12"/>
-          </p:nvPr>
-        </p:nvSpPr>
-        <p:spPr/>
-        <p:txBody>
-          <a:bodyPr/>
-          <a:lstStyle/>
-          <a:p>
-            <a:fld id="{4A32CB03-0843-4AF8-BFB2-C9917854BC7E}" type="slidenum">
-              <a:rPr kumimoji="1" lang="ja-JP" altLang="en-US" smtClean="0"/>
-              <a:t>5</a:t>
-            </a:fld>
-            <a:endParaRPr kumimoji="1" lang="ja-JP" altLang="en-US"/>
-          </a:p>
-        </p:txBody>
-      </p:sp>
-    </p:spTree>
-    <p:extLst>
-      <p:ext uri="{BB962C8B-B14F-4D97-AF65-F5344CB8AC3E}">
-        <p14:creationId xmlns:p14="http://schemas.microsoft.com/office/powerpoint/2010/main" val="2099709726"/>
       </p:ext>
     </p:extLst>
   </p:cSld>
@@ -7197,7 +7215,7 @@
           <a:p>
             <a:r>
               <a:rPr kumimoji="1" lang="ja-JP" altLang="en-US" dirty="0" smtClean="0"/>
-              <a:t>研究動機</a:t>
+              <a:t>研究背景</a:t>
             </a:r>
             <a:endParaRPr kumimoji="1" lang="ja-JP" altLang="en-US" dirty="0"/>
           </a:p>
@@ -7213,82 +7231,77 @@
             <p:ph idx="1"/>
           </p:nvPr>
         </p:nvSpPr>
-        <p:spPr/>
+        <p:spPr>
+          <a:xfrm>
+            <a:off x="628650" y="1491992"/>
+            <a:ext cx="7886700" cy="4351338"/>
+          </a:xfrm>
+        </p:spPr>
         <p:txBody>
           <a:bodyPr>
-            <a:normAutofit/>
+            <a:normAutofit fontScale="92500" lnSpcReduction="10000"/>
           </a:bodyPr>
           <a:lstStyle/>
           <a:p>
+            <a:endParaRPr lang="en-US" altLang="ja-JP" dirty="0"/>
+          </a:p>
+          <a:p>
             <a:r>
               <a:rPr lang="ja-JP" altLang="en-US" dirty="0"/>
-              <a:t>ロードバランサー</a:t>
+              <a:t>昨今の</a:t>
+            </a:r>
+            <a:r>
+              <a:rPr lang="en-US" altLang="ja-JP" dirty="0"/>
+              <a:t>WEB</a:t>
+            </a:r>
+            <a:r>
+              <a:rPr lang="ja-JP" altLang="en-US" dirty="0"/>
+              <a:t>ページは電気や水道などと同じく重要なライフラインになりつつある。</a:t>
+            </a:r>
+          </a:p>
+          <a:p>
+            <a:endParaRPr lang="ja-JP" altLang="en-US" dirty="0"/>
+          </a:p>
+          <a:p>
+            <a:r>
+              <a:rPr lang="ja-JP" altLang="en-US" dirty="0"/>
+              <a:t>しかしアクセスが増加すると、応答速度の低下や</a:t>
             </a:r>
             <a:r>
               <a:rPr lang="ja-JP" altLang="en-US" dirty="0" smtClean="0"/>
-              <a:t>は順に接続先を均等に割り振る方法や、</a:t>
+              <a:t>接続しにくいなど、サービス</a:t>
             </a:r>
             <a:r>
               <a:rPr lang="ja-JP" altLang="en-US" dirty="0"/>
-              <a:t>コネクション数が最も少ないサーバに</a:t>
+              <a:t>の低下に</a:t>
             </a:r>
             <a:r>
               <a:rPr lang="ja-JP" altLang="en-US" dirty="0" smtClean="0"/>
-              <a:t>転送する方法がとられている。</a:t>
-            </a:r>
-            <a:endParaRPr lang="en-US" altLang="ja-JP" dirty="0" smtClean="0"/>
-          </a:p>
-          <a:p>
-            <a:endParaRPr kumimoji="1" lang="en-US" altLang="ja-JP" dirty="0"/>
-          </a:p>
-          <a:p>
+              <a:t>つながってしまう。</a:t>
+            </a:r>
+            <a:endParaRPr lang="ja-JP" altLang="en-US" dirty="0"/>
+          </a:p>
+          <a:p>
+            <a:endParaRPr lang="ja-JP" altLang="en-US" dirty="0"/>
+          </a:p>
+          <a:p>
+            <a:r>
+              <a:rPr lang="ja-JP" altLang="en-US" dirty="0"/>
+              <a:t>サービスを止めることなく、サーバの保守や修理、拡張等が行えるロードバランサーの需要</a:t>
+            </a:r>
             <a:r>
               <a:rPr lang="ja-JP" altLang="en-US" dirty="0" smtClean="0"/>
-              <a:t>しかしこの方法では、</a:t>
-            </a:r>
-            <a:r>
-              <a:rPr lang="ja-JP" altLang="ja-JP" dirty="0" smtClean="0"/>
-              <a:t>応答</a:t>
-            </a:r>
-            <a:r>
-              <a:rPr lang="ja-JP" altLang="ja-JP" dirty="0"/>
-              <a:t>速度</a:t>
-            </a:r>
-            <a:r>
-              <a:rPr lang="ja-JP" altLang="ja-JP" dirty="0" smtClean="0"/>
-              <a:t>が</a:t>
+              <a:t>は今後</a:t>
             </a:r>
             <a:r>
               <a:rPr lang="ja-JP" altLang="en-US" dirty="0"/>
-              <a:t>遅い</a:t>
-            </a:r>
-            <a:r>
-              <a:rPr lang="ja-JP" altLang="ja-JP" dirty="0" smtClean="0"/>
-              <a:t>サーバ</a:t>
-            </a:r>
-            <a:r>
-              <a:rPr lang="ja-JP" altLang="ja-JP" dirty="0"/>
-              <a:t>につないでしまうと返って速度が落ち</a:t>
-            </a:r>
-            <a:r>
-              <a:rPr lang="ja-JP" altLang="ja-JP" dirty="0" smtClean="0"/>
-              <a:t>てしま</a:t>
+              <a:t>、増加傾向になると予想される</a:t>
             </a:r>
             <a:r>
               <a:rPr lang="ja-JP" altLang="en-US" dirty="0" smtClean="0"/>
-              <a:t>う。</a:t>
-            </a:r>
-            <a:endParaRPr lang="en-US" altLang="ja-JP" dirty="0" smtClean="0"/>
-          </a:p>
-          <a:p>
-            <a:endParaRPr lang="en-US" altLang="ja-JP" dirty="0"/>
-          </a:p>
-          <a:p>
-            <a:r>
-              <a:rPr lang="ja-JP" altLang="en-US" dirty="0" smtClean="0"/>
-              <a:t>コネクション数だけでなく応答速度も考慮したロードバランサーが必要ではないかと考えた。</a:t>
-            </a:r>
-            <a:endParaRPr lang="en-US" altLang="ja-JP" dirty="0"/>
+              <a:t>。</a:t>
+            </a:r>
+            <a:endParaRPr lang="ja-JP" altLang="en-US" dirty="0"/>
           </a:p>
         </p:txBody>
       </p:sp>
@@ -7318,7 +7331,7 @@
     </p:spTree>
     <p:extLst>
       <p:ext uri="{BB962C8B-B14F-4D97-AF65-F5344CB8AC3E}">
-        <p14:creationId xmlns:p14="http://schemas.microsoft.com/office/powerpoint/2010/main" val="2906526787"/>
+        <p14:creationId xmlns:p14="http://schemas.microsoft.com/office/powerpoint/2010/main" val="2099709726"/>
       </p:ext>
     </p:extLst>
   </p:cSld>
@@ -7362,41 +7375,101 @@
           <a:p>
             <a:r>
               <a:rPr kumimoji="1" lang="ja-JP" altLang="en-US" dirty="0" smtClean="0"/>
-              <a:t>既存技術</a:t>
+              <a:t>研究動機</a:t>
             </a:r>
             <a:endParaRPr kumimoji="1" lang="ja-JP" altLang="en-US" dirty="0"/>
           </a:p>
         </p:txBody>
       </p:sp>
-      <p:pic>
-        <p:nvPicPr>
-          <p:cNvPr id="5" name="コンテンツ プレースホルダー 4"/>
-          <p:cNvPicPr>
-            <a:picLocks noGrp="1" noChangeAspect="1"/>
-          </p:cNvPicPr>
+      <p:sp>
+        <p:nvSpPr>
+          <p:cNvPr id="3" name="コンテンツ プレースホルダー 2"/>
+          <p:cNvSpPr>
+            <a:spLocks noGrp="1"/>
+          </p:cNvSpPr>
           <p:nvPr>
             <p:ph idx="1"/>
           </p:nvPr>
-        </p:nvPicPr>
-        <p:blipFill>
-          <a:blip r:embed="rId2">
-            <a:extLst>
-              <a:ext uri="{28A0092B-C50C-407E-A947-70E740481C1C}">
-                <a14:useLocalDpi xmlns:a14="http://schemas.microsoft.com/office/drawing/2010/main" val="0"/>
-              </a:ext>
-            </a:extLst>
-          </a:blip>
-          <a:stretch>
-            <a:fillRect/>
-          </a:stretch>
-        </p:blipFill>
-        <p:spPr>
-          <a:xfrm>
-            <a:off x="698950" y="1690689"/>
-            <a:ext cx="7886700" cy="4197860"/>
-          </a:xfrm>
-        </p:spPr>
-      </p:pic>
+        </p:nvSpPr>
+        <p:spPr/>
+        <p:txBody>
+          <a:bodyPr>
+            <a:normAutofit/>
+          </a:bodyPr>
+          <a:lstStyle/>
+          <a:p>
+            <a:r>
+              <a:rPr lang="ja-JP" altLang="en-US" dirty="0"/>
+              <a:t>ロードバランサー</a:t>
+            </a:r>
+            <a:r>
+              <a:rPr lang="ja-JP" altLang="en-US" dirty="0" smtClean="0"/>
+              <a:t>は順に接続先を均等に割り振る方法や、</a:t>
+            </a:r>
+            <a:r>
+              <a:rPr lang="ja-JP" altLang="en-US" dirty="0"/>
+              <a:t>コネクション数が最も少ないサーバに</a:t>
+            </a:r>
+            <a:r>
+              <a:rPr lang="ja-JP" altLang="en-US" dirty="0" smtClean="0"/>
+              <a:t>転送する方法がとられている。</a:t>
+            </a:r>
+            <a:endParaRPr lang="en-US" altLang="ja-JP" dirty="0" smtClean="0"/>
+          </a:p>
+          <a:p>
+            <a:endParaRPr kumimoji="1" lang="en-US" altLang="ja-JP" dirty="0"/>
+          </a:p>
+          <a:p>
+            <a:r>
+              <a:rPr lang="ja-JP" altLang="en-US" dirty="0" smtClean="0"/>
+              <a:t>しかしこの方法では、</a:t>
+            </a:r>
+            <a:r>
+              <a:rPr lang="ja-JP" altLang="ja-JP" dirty="0" smtClean="0"/>
+              <a:t>応答</a:t>
+            </a:r>
+            <a:r>
+              <a:rPr lang="ja-JP" altLang="ja-JP" dirty="0"/>
+              <a:t>速度</a:t>
+            </a:r>
+            <a:r>
+              <a:rPr lang="ja-JP" altLang="ja-JP" dirty="0" smtClean="0"/>
+              <a:t>が</a:t>
+            </a:r>
+            <a:r>
+              <a:rPr lang="ja-JP" altLang="en-US" dirty="0"/>
+              <a:t>遅い</a:t>
+            </a:r>
+            <a:r>
+              <a:rPr lang="ja-JP" altLang="ja-JP" dirty="0" smtClean="0"/>
+              <a:t>サーバ</a:t>
+            </a:r>
+            <a:r>
+              <a:rPr lang="ja-JP" altLang="ja-JP" dirty="0"/>
+              <a:t>につないでしまうと返って速度が落ち</a:t>
+            </a:r>
+            <a:r>
+              <a:rPr lang="ja-JP" altLang="ja-JP" dirty="0" smtClean="0"/>
+              <a:t>てしま</a:t>
+            </a:r>
+            <a:r>
+              <a:rPr lang="ja-JP" altLang="en-US" dirty="0" smtClean="0"/>
+              <a:t>う。</a:t>
+            </a:r>
+            <a:endParaRPr lang="en-US" altLang="ja-JP" dirty="0" smtClean="0"/>
+          </a:p>
+          <a:p>
+            <a:endParaRPr lang="en-US" altLang="ja-JP" dirty="0"/>
+          </a:p>
+          <a:p>
+            <a:r>
+              <a:rPr lang="ja-JP" altLang="en-US" dirty="0" smtClean="0"/>
+              <a:t>コネクション数だけでなく応答速度も考慮したロードバランサーが必要ではないかと考えた。</a:t>
+            </a:r>
+            <a:endParaRPr lang="en-US" altLang="ja-JP" dirty="0"/>
+          </a:p>
+        </p:txBody>
+      </p:sp>
       <p:sp>
         <p:nvSpPr>
           <p:cNvPr id="4" name="スライド番号プレースホルダー 3"/>
@@ -7423,7 +7496,7 @@
     </p:spTree>
     <p:extLst>
       <p:ext uri="{BB962C8B-B14F-4D97-AF65-F5344CB8AC3E}">
-        <p14:creationId xmlns:p14="http://schemas.microsoft.com/office/powerpoint/2010/main" val="1854312826"/>
+        <p14:creationId xmlns:p14="http://schemas.microsoft.com/office/powerpoint/2010/main" val="2906526787"/>
       </p:ext>
     </p:extLst>
   </p:cSld>
@@ -7467,6 +7540,111 @@
           <a:p>
             <a:r>
               <a:rPr kumimoji="1" lang="ja-JP" altLang="en-US" dirty="0" smtClean="0"/>
+              <a:t>既存技術</a:t>
+            </a:r>
+            <a:endParaRPr kumimoji="1" lang="ja-JP" altLang="en-US" dirty="0"/>
+          </a:p>
+        </p:txBody>
+      </p:sp>
+      <p:pic>
+        <p:nvPicPr>
+          <p:cNvPr id="5" name="コンテンツ プレースホルダー 4"/>
+          <p:cNvPicPr>
+            <a:picLocks noGrp="1" noChangeAspect="1"/>
+          </p:cNvPicPr>
+          <p:nvPr>
+            <p:ph idx="1"/>
+          </p:nvPr>
+        </p:nvPicPr>
+        <p:blipFill>
+          <a:blip r:embed="rId2">
+            <a:extLst>
+              <a:ext uri="{28A0092B-C50C-407E-A947-70E740481C1C}">
+                <a14:useLocalDpi xmlns:a14="http://schemas.microsoft.com/office/drawing/2010/main" val="0"/>
+              </a:ext>
+            </a:extLst>
+          </a:blip>
+          <a:stretch>
+            <a:fillRect/>
+          </a:stretch>
+        </p:blipFill>
+        <p:spPr>
+          <a:xfrm>
+            <a:off x="698950" y="1690689"/>
+            <a:ext cx="7886700" cy="4197860"/>
+          </a:xfrm>
+        </p:spPr>
+      </p:pic>
+      <p:sp>
+        <p:nvSpPr>
+          <p:cNvPr id="4" name="スライド番号プレースホルダー 3"/>
+          <p:cNvSpPr>
+            <a:spLocks noGrp="1"/>
+          </p:cNvSpPr>
+          <p:nvPr>
+            <p:ph type="sldNum" sz="quarter" idx="12"/>
+          </p:nvPr>
+        </p:nvSpPr>
+        <p:spPr/>
+        <p:txBody>
+          <a:bodyPr/>
+          <a:lstStyle/>
+          <a:p>
+            <a:fld id="{4A32CB03-0843-4AF8-BFB2-C9917854BC7E}" type="slidenum">
+              <a:rPr kumimoji="1" lang="ja-JP" altLang="en-US" smtClean="0"/>
+              <a:t>8</a:t>
+            </a:fld>
+            <a:endParaRPr kumimoji="1" lang="ja-JP" altLang="en-US"/>
+          </a:p>
+        </p:txBody>
+      </p:sp>
+    </p:spTree>
+    <p:extLst>
+      <p:ext uri="{BB962C8B-B14F-4D97-AF65-F5344CB8AC3E}">
+        <p14:creationId xmlns:p14="http://schemas.microsoft.com/office/powerpoint/2010/main" val="1854312826"/>
+      </p:ext>
+    </p:extLst>
+  </p:cSld>
+  <p:clrMapOvr>
+    <a:masterClrMapping/>
+  </p:clrMapOvr>
+</p:sld>
+</file>
+
+<file path=ppt/slides/slide9.xml><?xml version="1.0" encoding="utf-8"?>
+<p:sld xmlns:a="http://schemas.openxmlformats.org/drawingml/2006/main" xmlns:r="http://schemas.openxmlformats.org/officeDocument/2006/relationships" xmlns:p="http://schemas.openxmlformats.org/presentationml/2006/main">
+  <p:cSld>
+    <p:spTree>
+      <p:nvGrpSpPr>
+        <p:cNvPr id="1" name=""/>
+        <p:cNvGrpSpPr/>
+        <p:nvPr/>
+      </p:nvGrpSpPr>
+      <p:grpSpPr>
+        <a:xfrm>
+          <a:off x="0" y="0"/>
+          <a:ext cx="0" cy="0"/>
+          <a:chOff x="0" y="0"/>
+          <a:chExt cx="0" cy="0"/>
+        </a:xfrm>
+      </p:grpSpPr>
+      <p:sp>
+        <p:nvSpPr>
+          <p:cNvPr id="2" name="タイトル 1"/>
+          <p:cNvSpPr>
+            <a:spLocks noGrp="1"/>
+          </p:cNvSpPr>
+          <p:nvPr>
+            <p:ph type="title"/>
+          </p:nvPr>
+        </p:nvSpPr>
+        <p:spPr/>
+        <p:txBody>
+          <a:bodyPr/>
+          <a:lstStyle/>
+          <a:p>
+            <a:r>
+              <a:rPr kumimoji="1" lang="ja-JP" altLang="en-US" dirty="0" smtClean="0"/>
               <a:t>研究課題</a:t>
             </a:r>
             <a:endParaRPr kumimoji="1" lang="ja-JP" altLang="en-US" dirty="0"/>
@@ -7545,7 +7723,7 @@
           <a:p>
             <a:fld id="{4A32CB03-0843-4AF8-BFB2-C9917854BC7E}" type="slidenum">
               <a:rPr kumimoji="1" lang="ja-JP" altLang="en-US" smtClean="0"/>
-              <a:t>8</a:t>
+              <a:t>9</a:t>
             </a:fld>
             <a:endParaRPr kumimoji="1" lang="ja-JP" altLang="en-US"/>
           </a:p>
@@ -7584,137 +7762,6 @@
     <p:extLst>
       <p:ext uri="{BB962C8B-B14F-4D97-AF65-F5344CB8AC3E}">
         <p14:creationId xmlns:p14="http://schemas.microsoft.com/office/powerpoint/2010/main" val="2285270993"/>
-      </p:ext>
-    </p:extLst>
-  </p:cSld>
-  <p:clrMapOvr>
-    <a:masterClrMapping/>
-  </p:clrMapOvr>
-</p:sld>
-</file>
-
-<file path=ppt/slides/slide9.xml><?xml version="1.0" encoding="utf-8"?>
-<p:sld xmlns:a="http://schemas.openxmlformats.org/drawingml/2006/main" xmlns:r="http://schemas.openxmlformats.org/officeDocument/2006/relationships" xmlns:p="http://schemas.openxmlformats.org/presentationml/2006/main">
-  <p:cSld>
-    <p:spTree>
-      <p:nvGrpSpPr>
-        <p:cNvPr id="1" name=""/>
-        <p:cNvGrpSpPr/>
-        <p:nvPr/>
-      </p:nvGrpSpPr>
-      <p:grpSpPr>
-        <a:xfrm>
-          <a:off x="0" y="0"/>
-          <a:ext cx="0" cy="0"/>
-          <a:chOff x="0" y="0"/>
-          <a:chExt cx="0" cy="0"/>
-        </a:xfrm>
-      </p:grpSpPr>
-      <p:sp>
-        <p:nvSpPr>
-          <p:cNvPr id="2" name="タイトル 1"/>
-          <p:cNvSpPr>
-            <a:spLocks noGrp="1"/>
-          </p:cNvSpPr>
-          <p:nvPr>
-            <p:ph type="title"/>
-          </p:nvPr>
-        </p:nvSpPr>
-        <p:spPr/>
-        <p:txBody>
-          <a:bodyPr/>
-          <a:lstStyle/>
-          <a:p>
-            <a:r>
-              <a:rPr kumimoji="1" lang="ja-JP" altLang="en-US" dirty="0" smtClean="0"/>
-              <a:t>研究課題</a:t>
-            </a:r>
-            <a:endParaRPr kumimoji="1" lang="ja-JP" altLang="en-US" dirty="0"/>
-          </a:p>
-        </p:txBody>
-      </p:sp>
-      <p:sp>
-        <p:nvSpPr>
-          <p:cNvPr id="3" name="コンテンツ プレースホルダー 2"/>
-          <p:cNvSpPr>
-            <a:spLocks noGrp="1"/>
-          </p:cNvSpPr>
-          <p:nvPr>
-            <p:ph idx="1"/>
-          </p:nvPr>
-        </p:nvSpPr>
-        <p:spPr>
-          <a:xfrm>
-            <a:off x="628650" y="1595494"/>
-            <a:ext cx="7886700" cy="4760857"/>
-          </a:xfrm>
-        </p:spPr>
-        <p:txBody>
-          <a:bodyPr>
-            <a:normAutofit/>
-          </a:bodyPr>
-          <a:lstStyle/>
-          <a:p>
-            <a:pPr>
-              <a:lnSpc>
-                <a:spcPct val="120000"/>
-              </a:lnSpc>
-            </a:pPr>
-            <a:r>
-              <a:rPr lang="ja-JP" altLang="en-US" dirty="0" smtClean="0"/>
-              <a:t>結果的にロードバランスしてもＷＥＢページの表示は早くならないことが懸念される。</a:t>
-            </a:r>
-            <a:endParaRPr lang="en-US" altLang="ja-JP" dirty="0" smtClean="0"/>
-          </a:p>
-          <a:p>
-            <a:pPr>
-              <a:lnSpc>
-                <a:spcPct val="120000"/>
-              </a:lnSpc>
-            </a:pPr>
-            <a:r>
-              <a:rPr lang="ja-JP" altLang="en-US" dirty="0" smtClean="0"/>
-              <a:t>ベースは</a:t>
-            </a:r>
-            <a:r>
-              <a:rPr lang="ja-JP" altLang="en-US" dirty="0"/>
-              <a:t>現在のコネクション数が最も小さいサーバに</a:t>
-            </a:r>
-            <a:r>
-              <a:rPr lang="ja-JP" altLang="en-US" dirty="0" smtClean="0"/>
-              <a:t>転送するリーストコネクション。補助的にネットワーク速度を計測し自動で割り振るシステムができればより良いＬＢができるのではないかと考えた。</a:t>
-            </a:r>
-            <a:endParaRPr lang="en-US" altLang="ja-JP" dirty="0"/>
-          </a:p>
-        </p:txBody>
-      </p:sp>
-      <p:sp>
-        <p:nvSpPr>
-          <p:cNvPr id="4" name="スライド番号プレースホルダー 3"/>
-          <p:cNvSpPr>
-            <a:spLocks noGrp="1"/>
-          </p:cNvSpPr>
-          <p:nvPr>
-            <p:ph type="sldNum" sz="quarter" idx="12"/>
-          </p:nvPr>
-        </p:nvSpPr>
-        <p:spPr/>
-        <p:txBody>
-          <a:bodyPr/>
-          <a:lstStyle/>
-          <a:p>
-            <a:fld id="{4A32CB03-0843-4AF8-BFB2-C9917854BC7E}" type="slidenum">
-              <a:rPr kumimoji="1" lang="ja-JP" altLang="en-US" smtClean="0"/>
-              <a:t>9</a:t>
-            </a:fld>
-            <a:endParaRPr kumimoji="1" lang="ja-JP" altLang="en-US"/>
-          </a:p>
-        </p:txBody>
-      </p:sp>
-    </p:spTree>
-    <p:extLst>
-      <p:ext uri="{BB962C8B-B14F-4D97-AF65-F5344CB8AC3E}">
-        <p14:creationId xmlns:p14="http://schemas.microsoft.com/office/powerpoint/2010/main" val="512261577"/>
       </p:ext>
     </p:extLst>
   </p:cSld>
